--- a/G2M_Case_Study- Moath.pptx
+++ b/G2M_Case_Study- Moath.pptx
@@ -281,7 +281,7 @@
           <a:p>
             <a:fld id="{6EECE964-F870-0E41-9FE5-38142943DD71}" type="datetimeFigureOut">
               <a:rPr lang="en-US" smtClean="0"/>
-              <a:t>7/2/2022</a:t>
+              <a:t>7/3/2022</a:t>
             </a:fld>
             <a:endParaRPr lang="en-US"/>
           </a:p>
@@ -479,7 +479,7 @@
           <a:p>
             <a:fld id="{6EECE964-F870-0E41-9FE5-38142943DD71}" type="datetimeFigureOut">
               <a:rPr lang="en-US" smtClean="0"/>
-              <a:t>7/2/2022</a:t>
+              <a:t>7/3/2022</a:t>
             </a:fld>
             <a:endParaRPr lang="en-US"/>
           </a:p>
@@ -687,7 +687,7 @@
           <a:p>
             <a:fld id="{6EECE964-F870-0E41-9FE5-38142943DD71}" type="datetimeFigureOut">
               <a:rPr lang="en-US" smtClean="0"/>
-              <a:t>7/2/2022</a:t>
+              <a:t>7/3/2022</a:t>
             </a:fld>
             <a:endParaRPr lang="en-US"/>
           </a:p>
@@ -885,7 +885,7 @@
           <a:p>
             <a:fld id="{6EECE964-F870-0E41-9FE5-38142943DD71}" type="datetimeFigureOut">
               <a:rPr lang="en-US" smtClean="0"/>
-              <a:t>7/2/2022</a:t>
+              <a:t>7/3/2022</a:t>
             </a:fld>
             <a:endParaRPr lang="en-US"/>
           </a:p>
@@ -1160,7 +1160,7 @@
           <a:p>
             <a:fld id="{6EECE964-F870-0E41-9FE5-38142943DD71}" type="datetimeFigureOut">
               <a:rPr lang="en-US" smtClean="0"/>
-              <a:t>7/2/2022</a:t>
+              <a:t>7/3/2022</a:t>
             </a:fld>
             <a:endParaRPr lang="en-US"/>
           </a:p>
@@ -1425,7 +1425,7 @@
           <a:p>
             <a:fld id="{6EECE964-F870-0E41-9FE5-38142943DD71}" type="datetimeFigureOut">
               <a:rPr lang="en-US" smtClean="0"/>
-              <a:t>7/2/2022</a:t>
+              <a:t>7/3/2022</a:t>
             </a:fld>
             <a:endParaRPr lang="en-US"/>
           </a:p>
@@ -1837,7 +1837,7 @@
           <a:p>
             <a:fld id="{6EECE964-F870-0E41-9FE5-38142943DD71}" type="datetimeFigureOut">
               <a:rPr lang="en-US" smtClean="0"/>
-              <a:t>7/2/2022</a:t>
+              <a:t>7/3/2022</a:t>
             </a:fld>
             <a:endParaRPr lang="en-US"/>
           </a:p>
@@ -1978,7 +1978,7 @@
           <a:p>
             <a:fld id="{6EECE964-F870-0E41-9FE5-38142943DD71}" type="datetimeFigureOut">
               <a:rPr lang="en-US" smtClean="0"/>
-              <a:t>7/2/2022</a:t>
+              <a:t>7/3/2022</a:t>
             </a:fld>
             <a:endParaRPr lang="en-US"/>
           </a:p>
@@ -2091,7 +2091,7 @@
           <a:p>
             <a:fld id="{6EECE964-F870-0E41-9FE5-38142943DD71}" type="datetimeFigureOut">
               <a:rPr lang="en-US" smtClean="0"/>
-              <a:t>7/2/2022</a:t>
+              <a:t>7/3/2022</a:t>
             </a:fld>
             <a:endParaRPr lang="en-US"/>
           </a:p>
@@ -2402,7 +2402,7 @@
           <a:p>
             <a:fld id="{6EECE964-F870-0E41-9FE5-38142943DD71}" type="datetimeFigureOut">
               <a:rPr lang="en-US" smtClean="0"/>
-              <a:t>7/2/2022</a:t>
+              <a:t>7/3/2022</a:t>
             </a:fld>
             <a:endParaRPr lang="en-US"/>
           </a:p>
@@ -2690,7 +2690,7 @@
           <a:p>
             <a:fld id="{6EECE964-F870-0E41-9FE5-38142943DD71}" type="datetimeFigureOut">
               <a:rPr lang="en-US" smtClean="0"/>
-              <a:t>7/2/2022</a:t>
+              <a:t>7/3/2022</a:t>
             </a:fld>
             <a:endParaRPr lang="en-US"/>
           </a:p>
@@ -2931,7 +2931,7 @@
           <a:p>
             <a:fld id="{6EECE964-F870-0E41-9FE5-38142943DD71}" type="datetimeFigureOut">
               <a:rPr lang="en-US" smtClean="0"/>
-              <a:t>7/2/2022</a:t>
+              <a:t>7/3/2022</a:t>
             </a:fld>
             <a:endParaRPr lang="en-US"/>
           </a:p>
@@ -3467,7 +3467,7 @@
                   <a:srgbClr val="FF6600"/>
                 </a:solidFill>
               </a:rPr>
-              <a:t>-Jun-2022</a:t>
+              <a:t>30-Jun-2022</a:t>
             </a:r>
           </a:p>
         </p:txBody>
@@ -4208,7 +4208,7 @@
         <p:spPr>
           <a:xfrm>
             <a:off x="802907" y="1371600"/>
-            <a:ext cx="7841506" cy="5078313"/>
+            <a:ext cx="7841506" cy="4801314"/>
           </a:xfrm>
           <a:prstGeom prst="rect">
             <a:avLst/>
@@ -4221,11 +4221,17 @@
           </a:bodyPr>
           <a:lstStyle/>
           <a:p>
+            <a:endParaRPr lang="en-US" dirty="0"/>
+          </a:p>
+          <a:p>
             <a:pPr marL="285750" indent="-285750">
               <a:buFont typeface="Arial" panose="020B0604020202020204" pitchFamily="34" charset="0"/>
               <a:buChar char="•"/>
             </a:pPr>
-            <a:endParaRPr lang="en-US" dirty="0"/>
+            <a:r>
+              <a:rPr lang="en-US" dirty="0"/>
+              <a:t>Timeframe of the data: 2016-01-31 to 2018-12-31</a:t>
+            </a:r>
           </a:p>
           <a:p>
             <a:pPr marL="285750" indent="-285750">
@@ -4234,8 +4240,33 @@
             </a:pPr>
             <a:r>
               <a:rPr lang="en-US" dirty="0"/>
-              <a:t>24 Features( including 9 derived features)</a:t>
-            </a:r>
+              <a:t>Total data points :</a:t>
+            </a:r>
+            <a:r>
+              <a:rPr lang="en-US" sz="1800" dirty="0">
+                <a:effectLst/>
+                <a:latin typeface="Times New Roman" panose="02020603050405020304" pitchFamily="18" charset="0"/>
+                <a:ea typeface="Calibri" panose="020F0502020204030204" pitchFamily="34" charset="0"/>
+                <a:cs typeface="Arial" panose="020B0604020202020204" pitchFamily="34" charset="0"/>
+              </a:rPr>
+              <a:t>359392</a:t>
+            </a:r>
+            <a:endParaRPr lang="en-US" dirty="0"/>
+          </a:p>
+          <a:p>
+            <a:endParaRPr lang="en-US" dirty="0"/>
+          </a:p>
+          <a:p>
+            <a:endParaRPr lang="en-US" dirty="0"/>
+          </a:p>
+          <a:p>
+            <a:r>
+              <a:rPr lang="en-US" b="1" dirty="0"/>
+              <a:t>Assumptions:</a:t>
+            </a:r>
+          </a:p>
+          <a:p>
+            <a:endParaRPr lang="en-US" b="1" dirty="0"/>
           </a:p>
           <a:p>
             <a:pPr marL="285750" indent="-285750">
@@ -4244,8 +4275,17 @@
             </a:pPr>
             <a:r>
               <a:rPr lang="en-US" dirty="0"/>
-              <a:t>Timeframe of the data: 2016-01-31 to 2018-12-31</a:t>
-            </a:r>
+              <a:t>Outliers are present in Price_Charged feature but due to </a:t>
+            </a:r>
+          </a:p>
+          <a:p>
+            <a:r>
+              <a:rPr lang="en-US" dirty="0"/>
+              <a:t>      unavailability of trip duration details ,we are not treating this as outlier.</a:t>
+            </a:r>
+          </a:p>
+          <a:p>
+            <a:endParaRPr lang="en-US" dirty="0"/>
           </a:p>
           <a:p>
             <a:pPr marL="285750" indent="-285750">
@@ -4254,23 +4294,17 @@
             </a:pPr>
             <a:r>
               <a:rPr lang="en-US" dirty="0"/>
-              <a:t>Total data points :355,032</a:t>
+              <a:t>Profit of rides are calculated keeping other factors constant and only </a:t>
+            </a:r>
+          </a:p>
+          <a:p>
+            <a:r>
+              <a:rPr lang="en-US" dirty="0"/>
+              <a:t>      Price_Charged and Cost_of_Trip features used to calculate profit.</a:t>
             </a:r>
           </a:p>
           <a:p>
             <a:endParaRPr lang="en-US" dirty="0"/>
-          </a:p>
-          <a:p>
-            <a:endParaRPr lang="en-US" dirty="0"/>
-          </a:p>
-          <a:p>
-            <a:r>
-              <a:rPr lang="en-US" b="1" dirty="0"/>
-              <a:t>Assumptions:</a:t>
-            </a:r>
-          </a:p>
-          <a:p>
-            <a:endParaRPr lang="en-US" b="1" dirty="0"/>
           </a:p>
           <a:p>
             <a:pPr marL="285750" indent="-285750">
@@ -4279,44 +4313,6 @@
             </a:pPr>
             <a:r>
               <a:rPr lang="en-US" dirty="0"/>
-              <a:t>Outliers are present in Price_Charged feature but due to </a:t>
-            </a:r>
-          </a:p>
-          <a:p>
-            <a:r>
-              <a:rPr lang="en-US" dirty="0"/>
-              <a:t>      unavailability of trip duration details ,we are not treating this as outlier.</a:t>
-            </a:r>
-          </a:p>
-          <a:p>
-            <a:endParaRPr lang="en-US" dirty="0"/>
-          </a:p>
-          <a:p>
-            <a:pPr marL="285750" indent="-285750">
-              <a:buFont typeface="Arial" panose="020B0604020202020204" pitchFamily="34" charset="0"/>
-              <a:buChar char="•"/>
-            </a:pPr>
-            <a:r>
-              <a:rPr lang="en-US" dirty="0"/>
-              <a:t>Profit of rides are calculated keeping other factors constant and only </a:t>
-            </a:r>
-          </a:p>
-          <a:p>
-            <a:r>
-              <a:rPr lang="en-US" dirty="0"/>
-              <a:t>      Price_Charged and Cost_of_Trip features used to calculate profit.</a:t>
-            </a:r>
-          </a:p>
-          <a:p>
-            <a:endParaRPr lang="en-US" dirty="0"/>
-          </a:p>
-          <a:p>
-            <a:pPr marL="285750" indent="-285750">
-              <a:buFont typeface="Arial" panose="020B0604020202020204" pitchFamily="34" charset="0"/>
-              <a:buChar char="•"/>
-            </a:pPr>
-            <a:r>
-              <a:rPr lang="en-US" dirty="0"/>
               <a:t>Users feature of city dataset is treated as number of cab users in the city.</a:t>
             </a:r>
           </a:p>
@@ -4339,10 +4335,10 @@
       </p:sp>
       <p:grpSp>
         <p:nvGrpSpPr>
-          <p:cNvPr id="51" name="Group 50">
-            <a:extLst>
-              <a:ext uri="{FF2B5EF4-FFF2-40B4-BE49-F238E27FC236}">
-                <a16:creationId xmlns:a16="http://schemas.microsoft.com/office/drawing/2014/main" id="{C3DD4A4E-B1CE-1A4E-8298-CB1425F09C06}"/>
+          <p:cNvPr id="32" name="Group 31">
+            <a:extLst>
+              <a:ext uri="{FF2B5EF4-FFF2-40B4-BE49-F238E27FC236}">
+                <a16:creationId xmlns:a16="http://schemas.microsoft.com/office/drawing/2014/main" id="{F1A85269-51DF-5F48-8AD1-E5FDB72A8EA3}"/>
               </a:ext>
             </a:extLst>
           </p:cNvPr>
@@ -4351,18 +4347,18 @@
         </p:nvGrpSpPr>
         <p:grpSpPr>
           <a:xfrm>
-            <a:off x="5959628" y="1537723"/>
-            <a:ext cx="5990072" cy="2545492"/>
-            <a:chOff x="5536376" y="1858363"/>
-            <a:chExt cx="6407827" cy="3381431"/>
+            <a:off x="6225462" y="1723508"/>
+            <a:ext cx="4831612" cy="2464247"/>
+            <a:chOff x="1702411" y="3452991"/>
+            <a:chExt cx="5168575" cy="3701283"/>
           </a:xfrm>
         </p:grpSpPr>
         <p:grpSp>
           <p:nvGrpSpPr>
-            <p:cNvPr id="32" name="Group 31">
+            <p:cNvPr id="13" name="Group 12">
               <a:extLst>
                 <a:ext uri="{FF2B5EF4-FFF2-40B4-BE49-F238E27FC236}">
-                  <a16:creationId xmlns:a16="http://schemas.microsoft.com/office/drawing/2014/main" id="{F1A85269-51DF-5F48-8AD1-E5FDB72A8EA3}"/>
+                  <a16:creationId xmlns:a16="http://schemas.microsoft.com/office/drawing/2014/main" id="{C0570A45-712A-FC4A-9402-2A4A4E723192}"/>
                 </a:ext>
               </a:extLst>
             </p:cNvPr>
@@ -4371,2503 +4367,18 @@
           </p:nvGrpSpPr>
           <p:grpSpPr>
             <a:xfrm>
-              <a:off x="5536376" y="1858363"/>
-              <a:ext cx="5168575" cy="3381431"/>
-              <a:chOff x="1702411" y="3452991"/>
-              <a:chExt cx="5168575" cy="3823312"/>
+              <a:off x="1702411" y="3452991"/>
+              <a:ext cx="5168575" cy="1602250"/>
+              <a:chOff x="1702411" y="4026102"/>
+              <a:chExt cx="5168575" cy="1602250"/>
             </a:xfrm>
           </p:grpSpPr>
-          <p:grpSp>
-            <p:nvGrpSpPr>
-              <p:cNvPr id="13" name="Group 12">
+          <p:sp>
+            <p:nvSpPr>
+              <p:cNvPr id="5" name="Freeform 86">
                 <a:extLst>
                   <a:ext uri="{FF2B5EF4-FFF2-40B4-BE49-F238E27FC236}">
-                    <a16:creationId xmlns:a16="http://schemas.microsoft.com/office/drawing/2014/main" id="{C0570A45-712A-FC4A-9402-2A4A4E723192}"/>
-                  </a:ext>
-                </a:extLst>
-              </p:cNvPr>
-              <p:cNvGrpSpPr/>
-              <p:nvPr/>
-            </p:nvGrpSpPr>
-            <p:grpSpPr>
-              <a:xfrm>
-                <a:off x="1702411" y="3452991"/>
-                <a:ext cx="5168575" cy="1602250"/>
-                <a:chOff x="1702411" y="4026102"/>
-                <a:chExt cx="5168575" cy="1602250"/>
-              </a:xfrm>
-            </p:grpSpPr>
-            <p:sp>
-              <p:nvSpPr>
-                <p:cNvPr id="5" name="Freeform 86">
-                  <a:extLst>
-                    <a:ext uri="{FF2B5EF4-FFF2-40B4-BE49-F238E27FC236}">
-                      <a16:creationId xmlns:a16="http://schemas.microsoft.com/office/drawing/2014/main" id="{A5420E7C-ED4E-3141-84D7-6FA339ADA06A}"/>
-                    </a:ext>
-                  </a:extLst>
-                </p:cNvPr>
-                <p:cNvSpPr>
-                  <a:spLocks noEditPoints="1"/>
-                </p:cNvSpPr>
-                <p:nvPr/>
-              </p:nvSpPr>
-              <p:spPr bwMode="auto">
-                <a:xfrm>
-                  <a:off x="6051395" y="4026103"/>
-                  <a:ext cx="662857" cy="926447"/>
-                </a:xfrm>
-                <a:custGeom>
-                  <a:avLst/>
-                  <a:gdLst>
-                    <a:gd name="T0" fmla="*/ 97 w 472"/>
-                    <a:gd name="T1" fmla="*/ 512 h 612"/>
-                    <a:gd name="T2" fmla="*/ 97 w 472"/>
-                    <a:gd name="T3" fmla="*/ 483 h 612"/>
-                    <a:gd name="T4" fmla="*/ 390 w 472"/>
-                    <a:gd name="T5" fmla="*/ 497 h 612"/>
-                    <a:gd name="T6" fmla="*/ 375 w 472"/>
-                    <a:gd name="T7" fmla="*/ 435 h 612"/>
-                    <a:gd name="T8" fmla="*/ 82 w 472"/>
-                    <a:gd name="T9" fmla="*/ 421 h 612"/>
-                    <a:gd name="T10" fmla="*/ 375 w 472"/>
-                    <a:gd name="T11" fmla="*/ 406 h 612"/>
-                    <a:gd name="T12" fmla="*/ 375 w 472"/>
-                    <a:gd name="T13" fmla="*/ 435 h 612"/>
-                    <a:gd name="T14" fmla="*/ 97 w 472"/>
-                    <a:gd name="T15" fmla="*/ 359 h 612"/>
-                    <a:gd name="T16" fmla="*/ 97 w 472"/>
-                    <a:gd name="T17" fmla="*/ 330 h 612"/>
-                    <a:gd name="T18" fmla="*/ 390 w 472"/>
-                    <a:gd name="T19" fmla="*/ 344 h 612"/>
-                    <a:gd name="T20" fmla="*/ 375 w 472"/>
-                    <a:gd name="T21" fmla="*/ 282 h 612"/>
-                    <a:gd name="T22" fmla="*/ 82 w 472"/>
-                    <a:gd name="T23" fmla="*/ 268 h 612"/>
-                    <a:gd name="T24" fmla="*/ 375 w 472"/>
-                    <a:gd name="T25" fmla="*/ 254 h 612"/>
-                    <a:gd name="T26" fmla="*/ 375 w 472"/>
-                    <a:gd name="T27" fmla="*/ 282 h 612"/>
-                    <a:gd name="T28" fmla="*/ 97 w 472"/>
-                    <a:gd name="T29" fmla="*/ 206 h 612"/>
-                    <a:gd name="T30" fmla="*/ 97 w 472"/>
-                    <a:gd name="T31" fmla="*/ 177 h 612"/>
-                    <a:gd name="T32" fmla="*/ 260 w 472"/>
-                    <a:gd name="T33" fmla="*/ 191 h 612"/>
-                    <a:gd name="T34" fmla="*/ 246 w 472"/>
-                    <a:gd name="T35" fmla="*/ 129 h 612"/>
-                    <a:gd name="T36" fmla="*/ 82 w 472"/>
-                    <a:gd name="T37" fmla="*/ 115 h 612"/>
-                    <a:gd name="T38" fmla="*/ 246 w 472"/>
-                    <a:gd name="T39" fmla="*/ 101 h 612"/>
-                    <a:gd name="T40" fmla="*/ 246 w 472"/>
-                    <a:gd name="T41" fmla="*/ 129 h 612"/>
-                    <a:gd name="T42" fmla="*/ 0 w 472"/>
-                    <a:gd name="T43" fmla="*/ 585 h 612"/>
-                    <a:gd name="T44" fmla="*/ 27 w 472"/>
-                    <a:gd name="T45" fmla="*/ 0 h 612"/>
-                    <a:gd name="T46" fmla="*/ 346 w 472"/>
-                    <a:gd name="T47" fmla="*/ 22 h 612"/>
-                    <a:gd name="T48" fmla="*/ 472 w 472"/>
-                    <a:gd name="T49" fmla="*/ 179 h 612"/>
-                    <a:gd name="T50" fmla="*/ 445 w 472"/>
-                    <a:gd name="T51" fmla="*/ 612 h 612"/>
-                    <a:gd name="T52" fmla="*/ 75 w 472"/>
-                    <a:gd name="T53" fmla="*/ 35 h 612"/>
-                    <a:gd name="T54" fmla="*/ 35 w 472"/>
-                    <a:gd name="T55" fmla="*/ 537 h 612"/>
-                    <a:gd name="T56" fmla="*/ 397 w 472"/>
-                    <a:gd name="T57" fmla="*/ 578 h 612"/>
-                    <a:gd name="T58" fmla="*/ 437 w 472"/>
-                    <a:gd name="T59" fmla="*/ 201 h 612"/>
-                    <a:gd name="T60" fmla="*/ 332 w 472"/>
-                    <a:gd name="T61" fmla="*/ 161 h 612"/>
-                    <a:gd name="T62" fmla="*/ 304 w 472"/>
-                    <a:gd name="T63" fmla="*/ 75 h 612"/>
-                    <a:gd name="T64" fmla="*/ 75 w 472"/>
-                    <a:gd name="T65" fmla="*/ 35 h 612"/>
-                  </a:gdLst>
-                  <a:ahLst/>
-                  <a:cxnLst>
-                    <a:cxn ang="0">
-                      <a:pos x="T0" y="T1"/>
-                    </a:cxn>
-                    <a:cxn ang="0">
-                      <a:pos x="T2" y="T3"/>
-                    </a:cxn>
-                    <a:cxn ang="0">
-                      <a:pos x="T4" y="T5"/>
-                    </a:cxn>
-                    <a:cxn ang="0">
-                      <a:pos x="T6" y="T7"/>
-                    </a:cxn>
-                    <a:cxn ang="0">
-                      <a:pos x="T8" y="T9"/>
-                    </a:cxn>
-                    <a:cxn ang="0">
-                      <a:pos x="T10" y="T11"/>
-                    </a:cxn>
-                    <a:cxn ang="0">
-                      <a:pos x="T12" y="T13"/>
-                    </a:cxn>
-                    <a:cxn ang="0">
-                      <a:pos x="T14" y="T15"/>
-                    </a:cxn>
-                    <a:cxn ang="0">
-                      <a:pos x="T16" y="T17"/>
-                    </a:cxn>
-                    <a:cxn ang="0">
-                      <a:pos x="T18" y="T19"/>
-                    </a:cxn>
-                    <a:cxn ang="0">
-                      <a:pos x="T20" y="T21"/>
-                    </a:cxn>
-                    <a:cxn ang="0">
-                      <a:pos x="T22" y="T23"/>
-                    </a:cxn>
-                    <a:cxn ang="0">
-                      <a:pos x="T24" y="T25"/>
-                    </a:cxn>
-                    <a:cxn ang="0">
-                      <a:pos x="T26" y="T27"/>
-                    </a:cxn>
-                    <a:cxn ang="0">
-                      <a:pos x="T28" y="T29"/>
-                    </a:cxn>
-                    <a:cxn ang="0">
-                      <a:pos x="T30" y="T31"/>
-                    </a:cxn>
-                    <a:cxn ang="0">
-                      <a:pos x="T32" y="T33"/>
-                    </a:cxn>
-                    <a:cxn ang="0">
-                      <a:pos x="T34" y="T35"/>
-                    </a:cxn>
-                    <a:cxn ang="0">
-                      <a:pos x="T36" y="T37"/>
-                    </a:cxn>
-                    <a:cxn ang="0">
-                      <a:pos x="T38" y="T39"/>
-                    </a:cxn>
-                    <a:cxn ang="0">
-                      <a:pos x="T40" y="T41"/>
-                    </a:cxn>
-                    <a:cxn ang="0">
-                      <a:pos x="T42" y="T43"/>
-                    </a:cxn>
-                    <a:cxn ang="0">
-                      <a:pos x="T44" y="T45"/>
-                    </a:cxn>
-                    <a:cxn ang="0">
-                      <a:pos x="T46" y="T47"/>
-                    </a:cxn>
-                    <a:cxn ang="0">
-                      <a:pos x="T48" y="T49"/>
-                    </a:cxn>
-                    <a:cxn ang="0">
-                      <a:pos x="T50" y="T51"/>
-                    </a:cxn>
-                    <a:cxn ang="0">
-                      <a:pos x="T52" y="T53"/>
-                    </a:cxn>
-                    <a:cxn ang="0">
-                      <a:pos x="T54" y="T55"/>
-                    </a:cxn>
-                    <a:cxn ang="0">
-                      <a:pos x="T56" y="T57"/>
-                    </a:cxn>
-                    <a:cxn ang="0">
-                      <a:pos x="T58" y="T59"/>
-                    </a:cxn>
-                    <a:cxn ang="0">
-                      <a:pos x="T60" y="T61"/>
-                    </a:cxn>
-                    <a:cxn ang="0">
-                      <a:pos x="T62" y="T63"/>
-                    </a:cxn>
-                    <a:cxn ang="0">
-                      <a:pos x="T64" y="T65"/>
-                    </a:cxn>
-                  </a:cxnLst>
-                  <a:rect l="0" t="0" r="r" b="b"/>
-                  <a:pathLst>
-                    <a:path w="472" h="612">
-                      <a:moveTo>
-                        <a:pt x="375" y="512"/>
-                      </a:moveTo>
-                      <a:cubicBezTo>
-                        <a:pt x="97" y="512"/>
-                        <a:pt x="97" y="512"/>
-                        <a:pt x="97" y="512"/>
-                      </a:cubicBezTo>
-                      <a:cubicBezTo>
-                        <a:pt x="89" y="512"/>
-                        <a:pt x="82" y="505"/>
-                        <a:pt x="82" y="497"/>
-                      </a:cubicBezTo>
-                      <a:cubicBezTo>
-                        <a:pt x="82" y="489"/>
-                        <a:pt x="89" y="483"/>
-                        <a:pt x="97" y="483"/>
-                      </a:cubicBezTo>
-                      <a:cubicBezTo>
-                        <a:pt x="375" y="483"/>
-                        <a:pt x="375" y="483"/>
-                        <a:pt x="375" y="483"/>
-                      </a:cubicBezTo>
-                      <a:cubicBezTo>
-                        <a:pt x="383" y="483"/>
-                        <a:pt x="390" y="489"/>
-                        <a:pt x="390" y="497"/>
-                      </a:cubicBezTo>
-                      <a:cubicBezTo>
-                        <a:pt x="390" y="505"/>
-                        <a:pt x="383" y="512"/>
-                        <a:pt x="375" y="512"/>
-                      </a:cubicBezTo>
-                      <a:close/>
-                      <a:moveTo>
-                        <a:pt x="375" y="435"/>
-                      </a:moveTo>
-                      <a:cubicBezTo>
-                        <a:pt x="97" y="435"/>
-                        <a:pt x="97" y="435"/>
-                        <a:pt x="97" y="435"/>
-                      </a:cubicBezTo>
-                      <a:cubicBezTo>
-                        <a:pt x="89" y="435"/>
-                        <a:pt x="82" y="429"/>
-                        <a:pt x="82" y="421"/>
-                      </a:cubicBezTo>
-                      <a:cubicBezTo>
-                        <a:pt x="82" y="413"/>
-                        <a:pt x="89" y="406"/>
-                        <a:pt x="97" y="406"/>
-                      </a:cubicBezTo>
-                      <a:cubicBezTo>
-                        <a:pt x="375" y="406"/>
-                        <a:pt x="375" y="406"/>
-                        <a:pt x="375" y="406"/>
-                      </a:cubicBezTo>
-                      <a:cubicBezTo>
-                        <a:pt x="383" y="406"/>
-                        <a:pt x="390" y="413"/>
-                        <a:pt x="390" y="421"/>
-                      </a:cubicBezTo>
-                      <a:cubicBezTo>
-                        <a:pt x="390" y="429"/>
-                        <a:pt x="383" y="435"/>
-                        <a:pt x="375" y="435"/>
-                      </a:cubicBezTo>
-                      <a:close/>
-                      <a:moveTo>
-                        <a:pt x="375" y="359"/>
-                      </a:moveTo>
-                      <a:cubicBezTo>
-                        <a:pt x="97" y="359"/>
-                        <a:pt x="97" y="359"/>
-                        <a:pt x="97" y="359"/>
-                      </a:cubicBezTo>
-                      <a:cubicBezTo>
-                        <a:pt x="89" y="359"/>
-                        <a:pt x="82" y="352"/>
-                        <a:pt x="82" y="344"/>
-                      </a:cubicBezTo>
-                      <a:cubicBezTo>
-                        <a:pt x="82" y="336"/>
-                        <a:pt x="89" y="330"/>
-                        <a:pt x="97" y="330"/>
-                      </a:cubicBezTo>
-                      <a:cubicBezTo>
-                        <a:pt x="375" y="330"/>
-                        <a:pt x="375" y="330"/>
-                        <a:pt x="375" y="330"/>
-                      </a:cubicBezTo>
-                      <a:cubicBezTo>
-                        <a:pt x="383" y="330"/>
-                        <a:pt x="390" y="336"/>
-                        <a:pt x="390" y="344"/>
-                      </a:cubicBezTo>
-                      <a:cubicBezTo>
-                        <a:pt x="390" y="352"/>
-                        <a:pt x="383" y="359"/>
-                        <a:pt x="375" y="359"/>
-                      </a:cubicBezTo>
-                      <a:close/>
-                      <a:moveTo>
-                        <a:pt x="375" y="282"/>
-                      </a:moveTo>
-                      <a:cubicBezTo>
-                        <a:pt x="97" y="282"/>
-                        <a:pt x="97" y="282"/>
-                        <a:pt x="97" y="282"/>
-                      </a:cubicBezTo>
-                      <a:cubicBezTo>
-                        <a:pt x="89" y="282"/>
-                        <a:pt x="82" y="276"/>
-                        <a:pt x="82" y="268"/>
-                      </a:cubicBezTo>
-                      <a:cubicBezTo>
-                        <a:pt x="82" y="260"/>
-                        <a:pt x="89" y="254"/>
-                        <a:pt x="97" y="254"/>
-                      </a:cubicBezTo>
-                      <a:cubicBezTo>
-                        <a:pt x="375" y="254"/>
-                        <a:pt x="375" y="254"/>
-                        <a:pt x="375" y="254"/>
-                      </a:cubicBezTo>
-                      <a:cubicBezTo>
-                        <a:pt x="383" y="254"/>
-                        <a:pt x="390" y="260"/>
-                        <a:pt x="390" y="268"/>
-                      </a:cubicBezTo>
-                      <a:cubicBezTo>
-                        <a:pt x="390" y="276"/>
-                        <a:pt x="383" y="282"/>
-                        <a:pt x="375" y="282"/>
-                      </a:cubicBezTo>
-                      <a:close/>
-                      <a:moveTo>
-                        <a:pt x="246" y="206"/>
-                      </a:moveTo>
-                      <a:cubicBezTo>
-                        <a:pt x="97" y="206"/>
-                        <a:pt x="97" y="206"/>
-                        <a:pt x="97" y="206"/>
-                      </a:cubicBezTo>
-                      <a:cubicBezTo>
-                        <a:pt x="89" y="206"/>
-                        <a:pt x="82" y="199"/>
-                        <a:pt x="82" y="191"/>
-                      </a:cubicBezTo>
-                      <a:cubicBezTo>
-                        <a:pt x="82" y="183"/>
-                        <a:pt x="89" y="177"/>
-                        <a:pt x="97" y="177"/>
-                      </a:cubicBezTo>
-                      <a:cubicBezTo>
-                        <a:pt x="246" y="177"/>
-                        <a:pt x="246" y="177"/>
-                        <a:pt x="246" y="177"/>
-                      </a:cubicBezTo>
-                      <a:cubicBezTo>
-                        <a:pt x="254" y="177"/>
-                        <a:pt x="260" y="183"/>
-                        <a:pt x="260" y="191"/>
-                      </a:cubicBezTo>
-                      <a:cubicBezTo>
-                        <a:pt x="260" y="199"/>
-                        <a:pt x="254" y="206"/>
-                        <a:pt x="246" y="206"/>
-                      </a:cubicBezTo>
-                      <a:close/>
-                      <a:moveTo>
-                        <a:pt x="246" y="129"/>
-                      </a:moveTo>
-                      <a:cubicBezTo>
-                        <a:pt x="97" y="129"/>
-                        <a:pt x="97" y="129"/>
-                        <a:pt x="97" y="129"/>
-                      </a:cubicBezTo>
-                      <a:cubicBezTo>
-                        <a:pt x="89" y="129"/>
-                        <a:pt x="82" y="123"/>
-                        <a:pt x="82" y="115"/>
-                      </a:cubicBezTo>
-                      <a:cubicBezTo>
-                        <a:pt x="82" y="107"/>
-                        <a:pt x="89" y="101"/>
-                        <a:pt x="97" y="101"/>
-                      </a:cubicBezTo>
-                      <a:cubicBezTo>
-                        <a:pt x="246" y="101"/>
-                        <a:pt x="246" y="101"/>
-                        <a:pt x="246" y="101"/>
-                      </a:cubicBezTo>
-                      <a:cubicBezTo>
-                        <a:pt x="254" y="101"/>
-                        <a:pt x="260" y="107"/>
-                        <a:pt x="260" y="115"/>
-                      </a:cubicBezTo>
-                      <a:cubicBezTo>
-                        <a:pt x="260" y="123"/>
-                        <a:pt x="254" y="129"/>
-                        <a:pt x="246" y="129"/>
-                      </a:cubicBezTo>
-                      <a:close/>
-                      <a:moveTo>
-                        <a:pt x="27" y="612"/>
-                      </a:moveTo>
-                      <a:cubicBezTo>
-                        <a:pt x="12" y="612"/>
-                        <a:pt x="0" y="600"/>
-                        <a:pt x="0" y="585"/>
-                      </a:cubicBezTo>
-                      <a:cubicBezTo>
-                        <a:pt x="0" y="27"/>
-                        <a:pt x="0" y="27"/>
-                        <a:pt x="0" y="27"/>
-                      </a:cubicBezTo>
-                      <a:cubicBezTo>
-                        <a:pt x="0" y="12"/>
-                        <a:pt x="12" y="0"/>
-                        <a:pt x="27" y="0"/>
-                      </a:cubicBezTo>
-                      <a:cubicBezTo>
-                        <a:pt x="293" y="0"/>
-                        <a:pt x="293" y="0"/>
-                        <a:pt x="293" y="0"/>
-                      </a:cubicBezTo>
-                      <a:cubicBezTo>
-                        <a:pt x="310" y="0"/>
-                        <a:pt x="334" y="10"/>
-                        <a:pt x="346" y="22"/>
-                      </a:cubicBezTo>
-                      <a:cubicBezTo>
-                        <a:pt x="450" y="126"/>
-                        <a:pt x="450" y="126"/>
-                        <a:pt x="450" y="126"/>
-                      </a:cubicBezTo>
-                      <a:cubicBezTo>
-                        <a:pt x="462" y="138"/>
-                        <a:pt x="472" y="162"/>
-                        <a:pt x="472" y="179"/>
-                      </a:cubicBezTo>
-                      <a:cubicBezTo>
-                        <a:pt x="472" y="585"/>
-                        <a:pt x="472" y="585"/>
-                        <a:pt x="472" y="585"/>
-                      </a:cubicBezTo>
-                      <a:cubicBezTo>
-                        <a:pt x="472" y="600"/>
-                        <a:pt x="460" y="612"/>
-                        <a:pt x="445" y="612"/>
-                      </a:cubicBezTo>
-                      <a:lnTo>
-                        <a:pt x="27" y="612"/>
-                      </a:lnTo>
-                      <a:close/>
-                      <a:moveTo>
-                        <a:pt x="75" y="35"/>
-                      </a:moveTo>
-                      <a:cubicBezTo>
-                        <a:pt x="53" y="35"/>
-                        <a:pt x="35" y="53"/>
-                        <a:pt x="35" y="75"/>
-                      </a:cubicBezTo>
-                      <a:cubicBezTo>
-                        <a:pt x="35" y="537"/>
-                        <a:pt x="35" y="537"/>
-                        <a:pt x="35" y="537"/>
-                      </a:cubicBezTo>
-                      <a:cubicBezTo>
-                        <a:pt x="35" y="560"/>
-                        <a:pt x="53" y="578"/>
-                        <a:pt x="75" y="578"/>
-                      </a:cubicBezTo>
-                      <a:cubicBezTo>
-                        <a:pt x="397" y="578"/>
-                        <a:pt x="397" y="578"/>
-                        <a:pt x="397" y="578"/>
-                      </a:cubicBezTo>
-                      <a:cubicBezTo>
-                        <a:pt x="419" y="578"/>
-                        <a:pt x="437" y="560"/>
-                        <a:pt x="437" y="537"/>
-                      </a:cubicBezTo>
-                      <a:cubicBezTo>
-                        <a:pt x="437" y="201"/>
-                        <a:pt x="437" y="201"/>
-                        <a:pt x="437" y="201"/>
-                      </a:cubicBezTo>
-                      <a:cubicBezTo>
-                        <a:pt x="437" y="179"/>
-                        <a:pt x="419" y="161"/>
-                        <a:pt x="397" y="161"/>
-                      </a:cubicBezTo>
-                      <a:cubicBezTo>
-                        <a:pt x="332" y="161"/>
-                        <a:pt x="332" y="161"/>
-                        <a:pt x="332" y="161"/>
-                      </a:cubicBezTo>
-                      <a:cubicBezTo>
-                        <a:pt x="317" y="161"/>
-                        <a:pt x="304" y="149"/>
-                        <a:pt x="304" y="134"/>
-                      </a:cubicBezTo>
-                      <a:cubicBezTo>
-                        <a:pt x="304" y="75"/>
-                        <a:pt x="304" y="75"/>
-                        <a:pt x="304" y="75"/>
-                      </a:cubicBezTo>
-                      <a:cubicBezTo>
-                        <a:pt x="304" y="53"/>
-                        <a:pt x="286" y="35"/>
-                        <a:pt x="264" y="35"/>
-                      </a:cubicBezTo>
-                      <a:lnTo>
-                        <a:pt x="75" y="35"/>
-                      </a:lnTo>
-                      <a:close/>
-                    </a:path>
-                  </a:pathLst>
-                </a:custGeom>
-                <a:solidFill>
-                  <a:srgbClr val="000000"/>
-                </a:solidFill>
-                <a:ln>
-                  <a:noFill/>
-                </a:ln>
-                <a:extLst>
-                  <a:ext uri="{91240B29-F687-4F45-9708-019B960494DF}">
-                    <a14:hiddenLine xmlns:a14="http://schemas.microsoft.com/office/drawing/2010/main" w="9525">
-                      <a:solidFill>
-                        <a:srgbClr val="000000"/>
-                      </a:solidFill>
-                      <a:round/>
-                    </a14:hiddenLine>
-                  </a:ext>
-                </a:extLst>
-              </p:spPr>
-              <p:txBody>
-                <a:bodyPr vert="horz" wrap="square" lIns="91440" tIns="45720" rIns="91440" bIns="45720" numCol="1" anchor="t" anchorCtr="0" compatLnSpc="1"/>
-                <a:lstStyle/>
-                <a:p>
-                  <a:endParaRPr lang="en-US"/>
-                </a:p>
-              </p:txBody>
-            </p:sp>
-            <p:sp>
-              <p:nvSpPr>
-                <p:cNvPr id="6" name="Freeform 86">
-                  <a:extLst>
-                    <a:ext uri="{FF2B5EF4-FFF2-40B4-BE49-F238E27FC236}">
-                      <a16:creationId xmlns:a16="http://schemas.microsoft.com/office/drawing/2014/main" id="{25FB5E9C-5F16-7840-91D4-0CA515F11B0A}"/>
-                    </a:ext>
-                  </a:extLst>
-                </p:cNvPr>
-                <p:cNvSpPr>
-                  <a:spLocks noEditPoints="1"/>
-                </p:cNvSpPr>
-                <p:nvPr/>
-              </p:nvSpPr>
-              <p:spPr bwMode="auto">
-                <a:xfrm>
-                  <a:off x="1961385" y="4026102"/>
-                  <a:ext cx="662857" cy="926447"/>
-                </a:xfrm>
-                <a:custGeom>
-                  <a:avLst/>
-                  <a:gdLst>
-                    <a:gd name="T0" fmla="*/ 97 w 472"/>
-                    <a:gd name="T1" fmla="*/ 512 h 612"/>
-                    <a:gd name="T2" fmla="*/ 97 w 472"/>
-                    <a:gd name="T3" fmla="*/ 483 h 612"/>
-                    <a:gd name="T4" fmla="*/ 390 w 472"/>
-                    <a:gd name="T5" fmla="*/ 497 h 612"/>
-                    <a:gd name="T6" fmla="*/ 375 w 472"/>
-                    <a:gd name="T7" fmla="*/ 435 h 612"/>
-                    <a:gd name="T8" fmla="*/ 82 w 472"/>
-                    <a:gd name="T9" fmla="*/ 421 h 612"/>
-                    <a:gd name="T10" fmla="*/ 375 w 472"/>
-                    <a:gd name="T11" fmla="*/ 406 h 612"/>
-                    <a:gd name="T12" fmla="*/ 375 w 472"/>
-                    <a:gd name="T13" fmla="*/ 435 h 612"/>
-                    <a:gd name="T14" fmla="*/ 97 w 472"/>
-                    <a:gd name="T15" fmla="*/ 359 h 612"/>
-                    <a:gd name="T16" fmla="*/ 97 w 472"/>
-                    <a:gd name="T17" fmla="*/ 330 h 612"/>
-                    <a:gd name="T18" fmla="*/ 390 w 472"/>
-                    <a:gd name="T19" fmla="*/ 344 h 612"/>
-                    <a:gd name="T20" fmla="*/ 375 w 472"/>
-                    <a:gd name="T21" fmla="*/ 282 h 612"/>
-                    <a:gd name="T22" fmla="*/ 82 w 472"/>
-                    <a:gd name="T23" fmla="*/ 268 h 612"/>
-                    <a:gd name="T24" fmla="*/ 375 w 472"/>
-                    <a:gd name="T25" fmla="*/ 254 h 612"/>
-                    <a:gd name="T26" fmla="*/ 375 w 472"/>
-                    <a:gd name="T27" fmla="*/ 282 h 612"/>
-                    <a:gd name="T28" fmla="*/ 97 w 472"/>
-                    <a:gd name="T29" fmla="*/ 206 h 612"/>
-                    <a:gd name="T30" fmla="*/ 97 w 472"/>
-                    <a:gd name="T31" fmla="*/ 177 h 612"/>
-                    <a:gd name="T32" fmla="*/ 260 w 472"/>
-                    <a:gd name="T33" fmla="*/ 191 h 612"/>
-                    <a:gd name="T34" fmla="*/ 246 w 472"/>
-                    <a:gd name="T35" fmla="*/ 129 h 612"/>
-                    <a:gd name="T36" fmla="*/ 82 w 472"/>
-                    <a:gd name="T37" fmla="*/ 115 h 612"/>
-                    <a:gd name="T38" fmla="*/ 246 w 472"/>
-                    <a:gd name="T39" fmla="*/ 101 h 612"/>
-                    <a:gd name="T40" fmla="*/ 246 w 472"/>
-                    <a:gd name="T41" fmla="*/ 129 h 612"/>
-                    <a:gd name="T42" fmla="*/ 0 w 472"/>
-                    <a:gd name="T43" fmla="*/ 585 h 612"/>
-                    <a:gd name="T44" fmla="*/ 27 w 472"/>
-                    <a:gd name="T45" fmla="*/ 0 h 612"/>
-                    <a:gd name="T46" fmla="*/ 346 w 472"/>
-                    <a:gd name="T47" fmla="*/ 22 h 612"/>
-                    <a:gd name="T48" fmla="*/ 472 w 472"/>
-                    <a:gd name="T49" fmla="*/ 179 h 612"/>
-                    <a:gd name="T50" fmla="*/ 445 w 472"/>
-                    <a:gd name="T51" fmla="*/ 612 h 612"/>
-                    <a:gd name="T52" fmla="*/ 75 w 472"/>
-                    <a:gd name="T53" fmla="*/ 35 h 612"/>
-                    <a:gd name="T54" fmla="*/ 35 w 472"/>
-                    <a:gd name="T55" fmla="*/ 537 h 612"/>
-                    <a:gd name="T56" fmla="*/ 397 w 472"/>
-                    <a:gd name="T57" fmla="*/ 578 h 612"/>
-                    <a:gd name="T58" fmla="*/ 437 w 472"/>
-                    <a:gd name="T59" fmla="*/ 201 h 612"/>
-                    <a:gd name="T60" fmla="*/ 332 w 472"/>
-                    <a:gd name="T61" fmla="*/ 161 h 612"/>
-                    <a:gd name="T62" fmla="*/ 304 w 472"/>
-                    <a:gd name="T63" fmla="*/ 75 h 612"/>
-                    <a:gd name="T64" fmla="*/ 75 w 472"/>
-                    <a:gd name="T65" fmla="*/ 35 h 612"/>
-                  </a:gdLst>
-                  <a:ahLst/>
-                  <a:cxnLst>
-                    <a:cxn ang="0">
-                      <a:pos x="T0" y="T1"/>
-                    </a:cxn>
-                    <a:cxn ang="0">
-                      <a:pos x="T2" y="T3"/>
-                    </a:cxn>
-                    <a:cxn ang="0">
-                      <a:pos x="T4" y="T5"/>
-                    </a:cxn>
-                    <a:cxn ang="0">
-                      <a:pos x="T6" y="T7"/>
-                    </a:cxn>
-                    <a:cxn ang="0">
-                      <a:pos x="T8" y="T9"/>
-                    </a:cxn>
-                    <a:cxn ang="0">
-                      <a:pos x="T10" y="T11"/>
-                    </a:cxn>
-                    <a:cxn ang="0">
-                      <a:pos x="T12" y="T13"/>
-                    </a:cxn>
-                    <a:cxn ang="0">
-                      <a:pos x="T14" y="T15"/>
-                    </a:cxn>
-                    <a:cxn ang="0">
-                      <a:pos x="T16" y="T17"/>
-                    </a:cxn>
-                    <a:cxn ang="0">
-                      <a:pos x="T18" y="T19"/>
-                    </a:cxn>
-                    <a:cxn ang="0">
-                      <a:pos x="T20" y="T21"/>
-                    </a:cxn>
-                    <a:cxn ang="0">
-                      <a:pos x="T22" y="T23"/>
-                    </a:cxn>
-                    <a:cxn ang="0">
-                      <a:pos x="T24" y="T25"/>
-                    </a:cxn>
-                    <a:cxn ang="0">
-                      <a:pos x="T26" y="T27"/>
-                    </a:cxn>
-                    <a:cxn ang="0">
-                      <a:pos x="T28" y="T29"/>
-                    </a:cxn>
-                    <a:cxn ang="0">
-                      <a:pos x="T30" y="T31"/>
-                    </a:cxn>
-                    <a:cxn ang="0">
-                      <a:pos x="T32" y="T33"/>
-                    </a:cxn>
-                    <a:cxn ang="0">
-                      <a:pos x="T34" y="T35"/>
-                    </a:cxn>
-                    <a:cxn ang="0">
-                      <a:pos x="T36" y="T37"/>
-                    </a:cxn>
-                    <a:cxn ang="0">
-                      <a:pos x="T38" y="T39"/>
-                    </a:cxn>
-                    <a:cxn ang="0">
-                      <a:pos x="T40" y="T41"/>
-                    </a:cxn>
-                    <a:cxn ang="0">
-                      <a:pos x="T42" y="T43"/>
-                    </a:cxn>
-                    <a:cxn ang="0">
-                      <a:pos x="T44" y="T45"/>
-                    </a:cxn>
-                    <a:cxn ang="0">
-                      <a:pos x="T46" y="T47"/>
-                    </a:cxn>
-                    <a:cxn ang="0">
-                      <a:pos x="T48" y="T49"/>
-                    </a:cxn>
-                    <a:cxn ang="0">
-                      <a:pos x="T50" y="T51"/>
-                    </a:cxn>
-                    <a:cxn ang="0">
-                      <a:pos x="T52" y="T53"/>
-                    </a:cxn>
-                    <a:cxn ang="0">
-                      <a:pos x="T54" y="T55"/>
-                    </a:cxn>
-                    <a:cxn ang="0">
-                      <a:pos x="T56" y="T57"/>
-                    </a:cxn>
-                    <a:cxn ang="0">
-                      <a:pos x="T58" y="T59"/>
-                    </a:cxn>
-                    <a:cxn ang="0">
-                      <a:pos x="T60" y="T61"/>
-                    </a:cxn>
-                    <a:cxn ang="0">
-                      <a:pos x="T62" y="T63"/>
-                    </a:cxn>
-                    <a:cxn ang="0">
-                      <a:pos x="T64" y="T65"/>
-                    </a:cxn>
-                  </a:cxnLst>
-                  <a:rect l="0" t="0" r="r" b="b"/>
-                  <a:pathLst>
-                    <a:path w="472" h="612">
-                      <a:moveTo>
-                        <a:pt x="375" y="512"/>
-                      </a:moveTo>
-                      <a:cubicBezTo>
-                        <a:pt x="97" y="512"/>
-                        <a:pt x="97" y="512"/>
-                        <a:pt x="97" y="512"/>
-                      </a:cubicBezTo>
-                      <a:cubicBezTo>
-                        <a:pt x="89" y="512"/>
-                        <a:pt x="82" y="505"/>
-                        <a:pt x="82" y="497"/>
-                      </a:cubicBezTo>
-                      <a:cubicBezTo>
-                        <a:pt x="82" y="489"/>
-                        <a:pt x="89" y="483"/>
-                        <a:pt x="97" y="483"/>
-                      </a:cubicBezTo>
-                      <a:cubicBezTo>
-                        <a:pt x="375" y="483"/>
-                        <a:pt x="375" y="483"/>
-                        <a:pt x="375" y="483"/>
-                      </a:cubicBezTo>
-                      <a:cubicBezTo>
-                        <a:pt x="383" y="483"/>
-                        <a:pt x="390" y="489"/>
-                        <a:pt x="390" y="497"/>
-                      </a:cubicBezTo>
-                      <a:cubicBezTo>
-                        <a:pt x="390" y="505"/>
-                        <a:pt x="383" y="512"/>
-                        <a:pt x="375" y="512"/>
-                      </a:cubicBezTo>
-                      <a:close/>
-                      <a:moveTo>
-                        <a:pt x="375" y="435"/>
-                      </a:moveTo>
-                      <a:cubicBezTo>
-                        <a:pt x="97" y="435"/>
-                        <a:pt x="97" y="435"/>
-                        <a:pt x="97" y="435"/>
-                      </a:cubicBezTo>
-                      <a:cubicBezTo>
-                        <a:pt x="89" y="435"/>
-                        <a:pt x="82" y="429"/>
-                        <a:pt x="82" y="421"/>
-                      </a:cubicBezTo>
-                      <a:cubicBezTo>
-                        <a:pt x="82" y="413"/>
-                        <a:pt x="89" y="406"/>
-                        <a:pt x="97" y="406"/>
-                      </a:cubicBezTo>
-                      <a:cubicBezTo>
-                        <a:pt x="375" y="406"/>
-                        <a:pt x="375" y="406"/>
-                        <a:pt x="375" y="406"/>
-                      </a:cubicBezTo>
-                      <a:cubicBezTo>
-                        <a:pt x="383" y="406"/>
-                        <a:pt x="390" y="413"/>
-                        <a:pt x="390" y="421"/>
-                      </a:cubicBezTo>
-                      <a:cubicBezTo>
-                        <a:pt x="390" y="429"/>
-                        <a:pt x="383" y="435"/>
-                        <a:pt x="375" y="435"/>
-                      </a:cubicBezTo>
-                      <a:close/>
-                      <a:moveTo>
-                        <a:pt x="375" y="359"/>
-                      </a:moveTo>
-                      <a:cubicBezTo>
-                        <a:pt x="97" y="359"/>
-                        <a:pt x="97" y="359"/>
-                        <a:pt x="97" y="359"/>
-                      </a:cubicBezTo>
-                      <a:cubicBezTo>
-                        <a:pt x="89" y="359"/>
-                        <a:pt x="82" y="352"/>
-                        <a:pt x="82" y="344"/>
-                      </a:cubicBezTo>
-                      <a:cubicBezTo>
-                        <a:pt x="82" y="336"/>
-                        <a:pt x="89" y="330"/>
-                        <a:pt x="97" y="330"/>
-                      </a:cubicBezTo>
-                      <a:cubicBezTo>
-                        <a:pt x="375" y="330"/>
-                        <a:pt x="375" y="330"/>
-                        <a:pt x="375" y="330"/>
-                      </a:cubicBezTo>
-                      <a:cubicBezTo>
-                        <a:pt x="383" y="330"/>
-                        <a:pt x="390" y="336"/>
-                        <a:pt x="390" y="344"/>
-                      </a:cubicBezTo>
-                      <a:cubicBezTo>
-                        <a:pt x="390" y="352"/>
-                        <a:pt x="383" y="359"/>
-                        <a:pt x="375" y="359"/>
-                      </a:cubicBezTo>
-                      <a:close/>
-                      <a:moveTo>
-                        <a:pt x="375" y="282"/>
-                      </a:moveTo>
-                      <a:cubicBezTo>
-                        <a:pt x="97" y="282"/>
-                        <a:pt x="97" y="282"/>
-                        <a:pt x="97" y="282"/>
-                      </a:cubicBezTo>
-                      <a:cubicBezTo>
-                        <a:pt x="89" y="282"/>
-                        <a:pt x="82" y="276"/>
-                        <a:pt x="82" y="268"/>
-                      </a:cubicBezTo>
-                      <a:cubicBezTo>
-                        <a:pt x="82" y="260"/>
-                        <a:pt x="89" y="254"/>
-                        <a:pt x="97" y="254"/>
-                      </a:cubicBezTo>
-                      <a:cubicBezTo>
-                        <a:pt x="375" y="254"/>
-                        <a:pt x="375" y="254"/>
-                        <a:pt x="375" y="254"/>
-                      </a:cubicBezTo>
-                      <a:cubicBezTo>
-                        <a:pt x="383" y="254"/>
-                        <a:pt x="390" y="260"/>
-                        <a:pt x="390" y="268"/>
-                      </a:cubicBezTo>
-                      <a:cubicBezTo>
-                        <a:pt x="390" y="276"/>
-                        <a:pt x="383" y="282"/>
-                        <a:pt x="375" y="282"/>
-                      </a:cubicBezTo>
-                      <a:close/>
-                      <a:moveTo>
-                        <a:pt x="246" y="206"/>
-                      </a:moveTo>
-                      <a:cubicBezTo>
-                        <a:pt x="97" y="206"/>
-                        <a:pt x="97" y="206"/>
-                        <a:pt x="97" y="206"/>
-                      </a:cubicBezTo>
-                      <a:cubicBezTo>
-                        <a:pt x="89" y="206"/>
-                        <a:pt x="82" y="199"/>
-                        <a:pt x="82" y="191"/>
-                      </a:cubicBezTo>
-                      <a:cubicBezTo>
-                        <a:pt x="82" y="183"/>
-                        <a:pt x="89" y="177"/>
-                        <a:pt x="97" y="177"/>
-                      </a:cubicBezTo>
-                      <a:cubicBezTo>
-                        <a:pt x="246" y="177"/>
-                        <a:pt x="246" y="177"/>
-                        <a:pt x="246" y="177"/>
-                      </a:cubicBezTo>
-                      <a:cubicBezTo>
-                        <a:pt x="254" y="177"/>
-                        <a:pt x="260" y="183"/>
-                        <a:pt x="260" y="191"/>
-                      </a:cubicBezTo>
-                      <a:cubicBezTo>
-                        <a:pt x="260" y="199"/>
-                        <a:pt x="254" y="206"/>
-                        <a:pt x="246" y="206"/>
-                      </a:cubicBezTo>
-                      <a:close/>
-                      <a:moveTo>
-                        <a:pt x="246" y="129"/>
-                      </a:moveTo>
-                      <a:cubicBezTo>
-                        <a:pt x="97" y="129"/>
-                        <a:pt x="97" y="129"/>
-                        <a:pt x="97" y="129"/>
-                      </a:cubicBezTo>
-                      <a:cubicBezTo>
-                        <a:pt x="89" y="129"/>
-                        <a:pt x="82" y="123"/>
-                        <a:pt x="82" y="115"/>
-                      </a:cubicBezTo>
-                      <a:cubicBezTo>
-                        <a:pt x="82" y="107"/>
-                        <a:pt x="89" y="101"/>
-                        <a:pt x="97" y="101"/>
-                      </a:cubicBezTo>
-                      <a:cubicBezTo>
-                        <a:pt x="246" y="101"/>
-                        <a:pt x="246" y="101"/>
-                        <a:pt x="246" y="101"/>
-                      </a:cubicBezTo>
-                      <a:cubicBezTo>
-                        <a:pt x="254" y="101"/>
-                        <a:pt x="260" y="107"/>
-                        <a:pt x="260" y="115"/>
-                      </a:cubicBezTo>
-                      <a:cubicBezTo>
-                        <a:pt x="260" y="123"/>
-                        <a:pt x="254" y="129"/>
-                        <a:pt x="246" y="129"/>
-                      </a:cubicBezTo>
-                      <a:close/>
-                      <a:moveTo>
-                        <a:pt x="27" y="612"/>
-                      </a:moveTo>
-                      <a:cubicBezTo>
-                        <a:pt x="12" y="612"/>
-                        <a:pt x="0" y="600"/>
-                        <a:pt x="0" y="585"/>
-                      </a:cubicBezTo>
-                      <a:cubicBezTo>
-                        <a:pt x="0" y="27"/>
-                        <a:pt x="0" y="27"/>
-                        <a:pt x="0" y="27"/>
-                      </a:cubicBezTo>
-                      <a:cubicBezTo>
-                        <a:pt x="0" y="12"/>
-                        <a:pt x="12" y="0"/>
-                        <a:pt x="27" y="0"/>
-                      </a:cubicBezTo>
-                      <a:cubicBezTo>
-                        <a:pt x="293" y="0"/>
-                        <a:pt x="293" y="0"/>
-                        <a:pt x="293" y="0"/>
-                      </a:cubicBezTo>
-                      <a:cubicBezTo>
-                        <a:pt x="310" y="0"/>
-                        <a:pt x="334" y="10"/>
-                        <a:pt x="346" y="22"/>
-                      </a:cubicBezTo>
-                      <a:cubicBezTo>
-                        <a:pt x="450" y="126"/>
-                        <a:pt x="450" y="126"/>
-                        <a:pt x="450" y="126"/>
-                      </a:cubicBezTo>
-                      <a:cubicBezTo>
-                        <a:pt x="462" y="138"/>
-                        <a:pt x="472" y="162"/>
-                        <a:pt x="472" y="179"/>
-                      </a:cubicBezTo>
-                      <a:cubicBezTo>
-                        <a:pt x="472" y="585"/>
-                        <a:pt x="472" y="585"/>
-                        <a:pt x="472" y="585"/>
-                      </a:cubicBezTo>
-                      <a:cubicBezTo>
-                        <a:pt x="472" y="600"/>
-                        <a:pt x="460" y="612"/>
-                        <a:pt x="445" y="612"/>
-                      </a:cubicBezTo>
-                      <a:lnTo>
-                        <a:pt x="27" y="612"/>
-                      </a:lnTo>
-                      <a:close/>
-                      <a:moveTo>
-                        <a:pt x="75" y="35"/>
-                      </a:moveTo>
-                      <a:cubicBezTo>
-                        <a:pt x="53" y="35"/>
-                        <a:pt x="35" y="53"/>
-                        <a:pt x="35" y="75"/>
-                      </a:cubicBezTo>
-                      <a:cubicBezTo>
-                        <a:pt x="35" y="537"/>
-                        <a:pt x="35" y="537"/>
-                        <a:pt x="35" y="537"/>
-                      </a:cubicBezTo>
-                      <a:cubicBezTo>
-                        <a:pt x="35" y="560"/>
-                        <a:pt x="53" y="578"/>
-                        <a:pt x="75" y="578"/>
-                      </a:cubicBezTo>
-                      <a:cubicBezTo>
-                        <a:pt x="397" y="578"/>
-                        <a:pt x="397" y="578"/>
-                        <a:pt x="397" y="578"/>
-                      </a:cubicBezTo>
-                      <a:cubicBezTo>
-                        <a:pt x="419" y="578"/>
-                        <a:pt x="437" y="560"/>
-                        <a:pt x="437" y="537"/>
-                      </a:cubicBezTo>
-                      <a:cubicBezTo>
-                        <a:pt x="437" y="201"/>
-                        <a:pt x="437" y="201"/>
-                        <a:pt x="437" y="201"/>
-                      </a:cubicBezTo>
-                      <a:cubicBezTo>
-                        <a:pt x="437" y="179"/>
-                        <a:pt x="419" y="161"/>
-                        <a:pt x="397" y="161"/>
-                      </a:cubicBezTo>
-                      <a:cubicBezTo>
-                        <a:pt x="332" y="161"/>
-                        <a:pt x="332" y="161"/>
-                        <a:pt x="332" y="161"/>
-                      </a:cubicBezTo>
-                      <a:cubicBezTo>
-                        <a:pt x="317" y="161"/>
-                        <a:pt x="304" y="149"/>
-                        <a:pt x="304" y="134"/>
-                      </a:cubicBezTo>
-                      <a:cubicBezTo>
-                        <a:pt x="304" y="75"/>
-                        <a:pt x="304" y="75"/>
-                        <a:pt x="304" y="75"/>
-                      </a:cubicBezTo>
-                      <a:cubicBezTo>
-                        <a:pt x="304" y="53"/>
-                        <a:pt x="286" y="35"/>
-                        <a:pt x="264" y="35"/>
-                      </a:cubicBezTo>
-                      <a:lnTo>
-                        <a:pt x="75" y="35"/>
-                      </a:lnTo>
-                      <a:close/>
-                    </a:path>
-                  </a:pathLst>
-                </a:custGeom>
-                <a:solidFill>
-                  <a:srgbClr val="000000"/>
-                </a:solidFill>
-                <a:ln>
-                  <a:noFill/>
-                </a:ln>
-                <a:extLst>
-                  <a:ext uri="{91240B29-F687-4F45-9708-019B960494DF}">
-                    <a14:hiddenLine xmlns:a14="http://schemas.microsoft.com/office/drawing/2010/main" w="9525">
-                      <a:solidFill>
-                        <a:srgbClr val="000000"/>
-                      </a:solidFill>
-                      <a:round/>
-                    </a14:hiddenLine>
-                  </a:ext>
-                </a:extLst>
-              </p:spPr>
-              <p:txBody>
-                <a:bodyPr vert="horz" wrap="square" lIns="91440" tIns="45720" rIns="91440" bIns="45720" numCol="1" anchor="t" anchorCtr="0" compatLnSpc="1"/>
-                <a:lstStyle/>
-                <a:p>
-                  <a:endParaRPr lang="en-US"/>
-                </a:p>
-              </p:txBody>
-            </p:sp>
-            <p:sp>
-              <p:nvSpPr>
-                <p:cNvPr id="7" name="Freeform 86">
-                  <a:extLst>
-                    <a:ext uri="{FF2B5EF4-FFF2-40B4-BE49-F238E27FC236}">
-                      <a16:creationId xmlns:a16="http://schemas.microsoft.com/office/drawing/2014/main" id="{A48BBFCE-C9BD-954E-8191-614CE084937B}"/>
-                    </a:ext>
-                  </a:extLst>
-                </p:cNvPr>
-                <p:cNvSpPr>
-                  <a:spLocks noEditPoints="1"/>
-                </p:cNvSpPr>
-                <p:nvPr/>
-              </p:nvSpPr>
-              <p:spPr bwMode="auto">
-                <a:xfrm>
-                  <a:off x="3343118" y="4026102"/>
-                  <a:ext cx="662857" cy="926447"/>
-                </a:xfrm>
-                <a:custGeom>
-                  <a:avLst/>
-                  <a:gdLst>
-                    <a:gd name="T0" fmla="*/ 97 w 472"/>
-                    <a:gd name="T1" fmla="*/ 512 h 612"/>
-                    <a:gd name="T2" fmla="*/ 97 w 472"/>
-                    <a:gd name="T3" fmla="*/ 483 h 612"/>
-                    <a:gd name="T4" fmla="*/ 390 w 472"/>
-                    <a:gd name="T5" fmla="*/ 497 h 612"/>
-                    <a:gd name="T6" fmla="*/ 375 w 472"/>
-                    <a:gd name="T7" fmla="*/ 435 h 612"/>
-                    <a:gd name="T8" fmla="*/ 82 w 472"/>
-                    <a:gd name="T9" fmla="*/ 421 h 612"/>
-                    <a:gd name="T10" fmla="*/ 375 w 472"/>
-                    <a:gd name="T11" fmla="*/ 406 h 612"/>
-                    <a:gd name="T12" fmla="*/ 375 w 472"/>
-                    <a:gd name="T13" fmla="*/ 435 h 612"/>
-                    <a:gd name="T14" fmla="*/ 97 w 472"/>
-                    <a:gd name="T15" fmla="*/ 359 h 612"/>
-                    <a:gd name="T16" fmla="*/ 97 w 472"/>
-                    <a:gd name="T17" fmla="*/ 330 h 612"/>
-                    <a:gd name="T18" fmla="*/ 390 w 472"/>
-                    <a:gd name="T19" fmla="*/ 344 h 612"/>
-                    <a:gd name="T20" fmla="*/ 375 w 472"/>
-                    <a:gd name="T21" fmla="*/ 282 h 612"/>
-                    <a:gd name="T22" fmla="*/ 82 w 472"/>
-                    <a:gd name="T23" fmla="*/ 268 h 612"/>
-                    <a:gd name="T24" fmla="*/ 375 w 472"/>
-                    <a:gd name="T25" fmla="*/ 254 h 612"/>
-                    <a:gd name="T26" fmla="*/ 375 w 472"/>
-                    <a:gd name="T27" fmla="*/ 282 h 612"/>
-                    <a:gd name="T28" fmla="*/ 97 w 472"/>
-                    <a:gd name="T29" fmla="*/ 206 h 612"/>
-                    <a:gd name="T30" fmla="*/ 97 w 472"/>
-                    <a:gd name="T31" fmla="*/ 177 h 612"/>
-                    <a:gd name="T32" fmla="*/ 260 w 472"/>
-                    <a:gd name="T33" fmla="*/ 191 h 612"/>
-                    <a:gd name="T34" fmla="*/ 246 w 472"/>
-                    <a:gd name="T35" fmla="*/ 129 h 612"/>
-                    <a:gd name="T36" fmla="*/ 82 w 472"/>
-                    <a:gd name="T37" fmla="*/ 115 h 612"/>
-                    <a:gd name="T38" fmla="*/ 246 w 472"/>
-                    <a:gd name="T39" fmla="*/ 101 h 612"/>
-                    <a:gd name="T40" fmla="*/ 246 w 472"/>
-                    <a:gd name="T41" fmla="*/ 129 h 612"/>
-                    <a:gd name="T42" fmla="*/ 0 w 472"/>
-                    <a:gd name="T43" fmla="*/ 585 h 612"/>
-                    <a:gd name="T44" fmla="*/ 27 w 472"/>
-                    <a:gd name="T45" fmla="*/ 0 h 612"/>
-                    <a:gd name="T46" fmla="*/ 346 w 472"/>
-                    <a:gd name="T47" fmla="*/ 22 h 612"/>
-                    <a:gd name="T48" fmla="*/ 472 w 472"/>
-                    <a:gd name="T49" fmla="*/ 179 h 612"/>
-                    <a:gd name="T50" fmla="*/ 445 w 472"/>
-                    <a:gd name="T51" fmla="*/ 612 h 612"/>
-                    <a:gd name="T52" fmla="*/ 75 w 472"/>
-                    <a:gd name="T53" fmla="*/ 35 h 612"/>
-                    <a:gd name="T54" fmla="*/ 35 w 472"/>
-                    <a:gd name="T55" fmla="*/ 537 h 612"/>
-                    <a:gd name="T56" fmla="*/ 397 w 472"/>
-                    <a:gd name="T57" fmla="*/ 578 h 612"/>
-                    <a:gd name="T58" fmla="*/ 437 w 472"/>
-                    <a:gd name="T59" fmla="*/ 201 h 612"/>
-                    <a:gd name="T60" fmla="*/ 332 w 472"/>
-                    <a:gd name="T61" fmla="*/ 161 h 612"/>
-                    <a:gd name="T62" fmla="*/ 304 w 472"/>
-                    <a:gd name="T63" fmla="*/ 75 h 612"/>
-                    <a:gd name="T64" fmla="*/ 75 w 472"/>
-                    <a:gd name="T65" fmla="*/ 35 h 612"/>
-                  </a:gdLst>
-                  <a:ahLst/>
-                  <a:cxnLst>
-                    <a:cxn ang="0">
-                      <a:pos x="T0" y="T1"/>
-                    </a:cxn>
-                    <a:cxn ang="0">
-                      <a:pos x="T2" y="T3"/>
-                    </a:cxn>
-                    <a:cxn ang="0">
-                      <a:pos x="T4" y="T5"/>
-                    </a:cxn>
-                    <a:cxn ang="0">
-                      <a:pos x="T6" y="T7"/>
-                    </a:cxn>
-                    <a:cxn ang="0">
-                      <a:pos x="T8" y="T9"/>
-                    </a:cxn>
-                    <a:cxn ang="0">
-                      <a:pos x="T10" y="T11"/>
-                    </a:cxn>
-                    <a:cxn ang="0">
-                      <a:pos x="T12" y="T13"/>
-                    </a:cxn>
-                    <a:cxn ang="0">
-                      <a:pos x="T14" y="T15"/>
-                    </a:cxn>
-                    <a:cxn ang="0">
-                      <a:pos x="T16" y="T17"/>
-                    </a:cxn>
-                    <a:cxn ang="0">
-                      <a:pos x="T18" y="T19"/>
-                    </a:cxn>
-                    <a:cxn ang="0">
-                      <a:pos x="T20" y="T21"/>
-                    </a:cxn>
-                    <a:cxn ang="0">
-                      <a:pos x="T22" y="T23"/>
-                    </a:cxn>
-                    <a:cxn ang="0">
-                      <a:pos x="T24" y="T25"/>
-                    </a:cxn>
-                    <a:cxn ang="0">
-                      <a:pos x="T26" y="T27"/>
-                    </a:cxn>
-                    <a:cxn ang="0">
-                      <a:pos x="T28" y="T29"/>
-                    </a:cxn>
-                    <a:cxn ang="0">
-                      <a:pos x="T30" y="T31"/>
-                    </a:cxn>
-                    <a:cxn ang="0">
-                      <a:pos x="T32" y="T33"/>
-                    </a:cxn>
-                    <a:cxn ang="0">
-                      <a:pos x="T34" y="T35"/>
-                    </a:cxn>
-                    <a:cxn ang="0">
-                      <a:pos x="T36" y="T37"/>
-                    </a:cxn>
-                    <a:cxn ang="0">
-                      <a:pos x="T38" y="T39"/>
-                    </a:cxn>
-                    <a:cxn ang="0">
-                      <a:pos x="T40" y="T41"/>
-                    </a:cxn>
-                    <a:cxn ang="0">
-                      <a:pos x="T42" y="T43"/>
-                    </a:cxn>
-                    <a:cxn ang="0">
-                      <a:pos x="T44" y="T45"/>
-                    </a:cxn>
-                    <a:cxn ang="0">
-                      <a:pos x="T46" y="T47"/>
-                    </a:cxn>
-                    <a:cxn ang="0">
-                      <a:pos x="T48" y="T49"/>
-                    </a:cxn>
-                    <a:cxn ang="0">
-                      <a:pos x="T50" y="T51"/>
-                    </a:cxn>
-                    <a:cxn ang="0">
-                      <a:pos x="T52" y="T53"/>
-                    </a:cxn>
-                    <a:cxn ang="0">
-                      <a:pos x="T54" y="T55"/>
-                    </a:cxn>
-                    <a:cxn ang="0">
-                      <a:pos x="T56" y="T57"/>
-                    </a:cxn>
-                    <a:cxn ang="0">
-                      <a:pos x="T58" y="T59"/>
-                    </a:cxn>
-                    <a:cxn ang="0">
-                      <a:pos x="T60" y="T61"/>
-                    </a:cxn>
-                    <a:cxn ang="0">
-                      <a:pos x="T62" y="T63"/>
-                    </a:cxn>
-                    <a:cxn ang="0">
-                      <a:pos x="T64" y="T65"/>
-                    </a:cxn>
-                  </a:cxnLst>
-                  <a:rect l="0" t="0" r="r" b="b"/>
-                  <a:pathLst>
-                    <a:path w="472" h="612">
-                      <a:moveTo>
-                        <a:pt x="375" y="512"/>
-                      </a:moveTo>
-                      <a:cubicBezTo>
-                        <a:pt x="97" y="512"/>
-                        <a:pt x="97" y="512"/>
-                        <a:pt x="97" y="512"/>
-                      </a:cubicBezTo>
-                      <a:cubicBezTo>
-                        <a:pt x="89" y="512"/>
-                        <a:pt x="82" y="505"/>
-                        <a:pt x="82" y="497"/>
-                      </a:cubicBezTo>
-                      <a:cubicBezTo>
-                        <a:pt x="82" y="489"/>
-                        <a:pt x="89" y="483"/>
-                        <a:pt x="97" y="483"/>
-                      </a:cubicBezTo>
-                      <a:cubicBezTo>
-                        <a:pt x="375" y="483"/>
-                        <a:pt x="375" y="483"/>
-                        <a:pt x="375" y="483"/>
-                      </a:cubicBezTo>
-                      <a:cubicBezTo>
-                        <a:pt x="383" y="483"/>
-                        <a:pt x="390" y="489"/>
-                        <a:pt x="390" y="497"/>
-                      </a:cubicBezTo>
-                      <a:cubicBezTo>
-                        <a:pt x="390" y="505"/>
-                        <a:pt x="383" y="512"/>
-                        <a:pt x="375" y="512"/>
-                      </a:cubicBezTo>
-                      <a:close/>
-                      <a:moveTo>
-                        <a:pt x="375" y="435"/>
-                      </a:moveTo>
-                      <a:cubicBezTo>
-                        <a:pt x="97" y="435"/>
-                        <a:pt x="97" y="435"/>
-                        <a:pt x="97" y="435"/>
-                      </a:cubicBezTo>
-                      <a:cubicBezTo>
-                        <a:pt x="89" y="435"/>
-                        <a:pt x="82" y="429"/>
-                        <a:pt x="82" y="421"/>
-                      </a:cubicBezTo>
-                      <a:cubicBezTo>
-                        <a:pt x="82" y="413"/>
-                        <a:pt x="89" y="406"/>
-                        <a:pt x="97" y="406"/>
-                      </a:cubicBezTo>
-                      <a:cubicBezTo>
-                        <a:pt x="375" y="406"/>
-                        <a:pt x="375" y="406"/>
-                        <a:pt x="375" y="406"/>
-                      </a:cubicBezTo>
-                      <a:cubicBezTo>
-                        <a:pt x="383" y="406"/>
-                        <a:pt x="390" y="413"/>
-                        <a:pt x="390" y="421"/>
-                      </a:cubicBezTo>
-                      <a:cubicBezTo>
-                        <a:pt x="390" y="429"/>
-                        <a:pt x="383" y="435"/>
-                        <a:pt x="375" y="435"/>
-                      </a:cubicBezTo>
-                      <a:close/>
-                      <a:moveTo>
-                        <a:pt x="375" y="359"/>
-                      </a:moveTo>
-                      <a:cubicBezTo>
-                        <a:pt x="97" y="359"/>
-                        <a:pt x="97" y="359"/>
-                        <a:pt x="97" y="359"/>
-                      </a:cubicBezTo>
-                      <a:cubicBezTo>
-                        <a:pt x="89" y="359"/>
-                        <a:pt x="82" y="352"/>
-                        <a:pt x="82" y="344"/>
-                      </a:cubicBezTo>
-                      <a:cubicBezTo>
-                        <a:pt x="82" y="336"/>
-                        <a:pt x="89" y="330"/>
-                        <a:pt x="97" y="330"/>
-                      </a:cubicBezTo>
-                      <a:cubicBezTo>
-                        <a:pt x="375" y="330"/>
-                        <a:pt x="375" y="330"/>
-                        <a:pt x="375" y="330"/>
-                      </a:cubicBezTo>
-                      <a:cubicBezTo>
-                        <a:pt x="383" y="330"/>
-                        <a:pt x="390" y="336"/>
-                        <a:pt x="390" y="344"/>
-                      </a:cubicBezTo>
-                      <a:cubicBezTo>
-                        <a:pt x="390" y="352"/>
-                        <a:pt x="383" y="359"/>
-                        <a:pt x="375" y="359"/>
-                      </a:cubicBezTo>
-                      <a:close/>
-                      <a:moveTo>
-                        <a:pt x="375" y="282"/>
-                      </a:moveTo>
-                      <a:cubicBezTo>
-                        <a:pt x="97" y="282"/>
-                        <a:pt x="97" y="282"/>
-                        <a:pt x="97" y="282"/>
-                      </a:cubicBezTo>
-                      <a:cubicBezTo>
-                        <a:pt x="89" y="282"/>
-                        <a:pt x="82" y="276"/>
-                        <a:pt x="82" y="268"/>
-                      </a:cubicBezTo>
-                      <a:cubicBezTo>
-                        <a:pt x="82" y="260"/>
-                        <a:pt x="89" y="254"/>
-                        <a:pt x="97" y="254"/>
-                      </a:cubicBezTo>
-                      <a:cubicBezTo>
-                        <a:pt x="375" y="254"/>
-                        <a:pt x="375" y="254"/>
-                        <a:pt x="375" y="254"/>
-                      </a:cubicBezTo>
-                      <a:cubicBezTo>
-                        <a:pt x="383" y="254"/>
-                        <a:pt x="390" y="260"/>
-                        <a:pt x="390" y="268"/>
-                      </a:cubicBezTo>
-                      <a:cubicBezTo>
-                        <a:pt x="390" y="276"/>
-                        <a:pt x="383" y="282"/>
-                        <a:pt x="375" y="282"/>
-                      </a:cubicBezTo>
-                      <a:close/>
-                      <a:moveTo>
-                        <a:pt x="246" y="206"/>
-                      </a:moveTo>
-                      <a:cubicBezTo>
-                        <a:pt x="97" y="206"/>
-                        <a:pt x="97" y="206"/>
-                        <a:pt x="97" y="206"/>
-                      </a:cubicBezTo>
-                      <a:cubicBezTo>
-                        <a:pt x="89" y="206"/>
-                        <a:pt x="82" y="199"/>
-                        <a:pt x="82" y="191"/>
-                      </a:cubicBezTo>
-                      <a:cubicBezTo>
-                        <a:pt x="82" y="183"/>
-                        <a:pt x="89" y="177"/>
-                        <a:pt x="97" y="177"/>
-                      </a:cubicBezTo>
-                      <a:cubicBezTo>
-                        <a:pt x="246" y="177"/>
-                        <a:pt x="246" y="177"/>
-                        <a:pt x="246" y="177"/>
-                      </a:cubicBezTo>
-                      <a:cubicBezTo>
-                        <a:pt x="254" y="177"/>
-                        <a:pt x="260" y="183"/>
-                        <a:pt x="260" y="191"/>
-                      </a:cubicBezTo>
-                      <a:cubicBezTo>
-                        <a:pt x="260" y="199"/>
-                        <a:pt x="254" y="206"/>
-                        <a:pt x="246" y="206"/>
-                      </a:cubicBezTo>
-                      <a:close/>
-                      <a:moveTo>
-                        <a:pt x="246" y="129"/>
-                      </a:moveTo>
-                      <a:cubicBezTo>
-                        <a:pt x="97" y="129"/>
-                        <a:pt x="97" y="129"/>
-                        <a:pt x="97" y="129"/>
-                      </a:cubicBezTo>
-                      <a:cubicBezTo>
-                        <a:pt x="89" y="129"/>
-                        <a:pt x="82" y="123"/>
-                        <a:pt x="82" y="115"/>
-                      </a:cubicBezTo>
-                      <a:cubicBezTo>
-                        <a:pt x="82" y="107"/>
-                        <a:pt x="89" y="101"/>
-                        <a:pt x="97" y="101"/>
-                      </a:cubicBezTo>
-                      <a:cubicBezTo>
-                        <a:pt x="246" y="101"/>
-                        <a:pt x="246" y="101"/>
-                        <a:pt x="246" y="101"/>
-                      </a:cubicBezTo>
-                      <a:cubicBezTo>
-                        <a:pt x="254" y="101"/>
-                        <a:pt x="260" y="107"/>
-                        <a:pt x="260" y="115"/>
-                      </a:cubicBezTo>
-                      <a:cubicBezTo>
-                        <a:pt x="260" y="123"/>
-                        <a:pt x="254" y="129"/>
-                        <a:pt x="246" y="129"/>
-                      </a:cubicBezTo>
-                      <a:close/>
-                      <a:moveTo>
-                        <a:pt x="27" y="612"/>
-                      </a:moveTo>
-                      <a:cubicBezTo>
-                        <a:pt x="12" y="612"/>
-                        <a:pt x="0" y="600"/>
-                        <a:pt x="0" y="585"/>
-                      </a:cubicBezTo>
-                      <a:cubicBezTo>
-                        <a:pt x="0" y="27"/>
-                        <a:pt x="0" y="27"/>
-                        <a:pt x="0" y="27"/>
-                      </a:cubicBezTo>
-                      <a:cubicBezTo>
-                        <a:pt x="0" y="12"/>
-                        <a:pt x="12" y="0"/>
-                        <a:pt x="27" y="0"/>
-                      </a:cubicBezTo>
-                      <a:cubicBezTo>
-                        <a:pt x="293" y="0"/>
-                        <a:pt x="293" y="0"/>
-                        <a:pt x="293" y="0"/>
-                      </a:cubicBezTo>
-                      <a:cubicBezTo>
-                        <a:pt x="310" y="0"/>
-                        <a:pt x="334" y="10"/>
-                        <a:pt x="346" y="22"/>
-                      </a:cubicBezTo>
-                      <a:cubicBezTo>
-                        <a:pt x="450" y="126"/>
-                        <a:pt x="450" y="126"/>
-                        <a:pt x="450" y="126"/>
-                      </a:cubicBezTo>
-                      <a:cubicBezTo>
-                        <a:pt x="462" y="138"/>
-                        <a:pt x="472" y="162"/>
-                        <a:pt x="472" y="179"/>
-                      </a:cubicBezTo>
-                      <a:cubicBezTo>
-                        <a:pt x="472" y="585"/>
-                        <a:pt x="472" y="585"/>
-                        <a:pt x="472" y="585"/>
-                      </a:cubicBezTo>
-                      <a:cubicBezTo>
-                        <a:pt x="472" y="600"/>
-                        <a:pt x="460" y="612"/>
-                        <a:pt x="445" y="612"/>
-                      </a:cubicBezTo>
-                      <a:lnTo>
-                        <a:pt x="27" y="612"/>
-                      </a:lnTo>
-                      <a:close/>
-                      <a:moveTo>
-                        <a:pt x="75" y="35"/>
-                      </a:moveTo>
-                      <a:cubicBezTo>
-                        <a:pt x="53" y="35"/>
-                        <a:pt x="35" y="53"/>
-                        <a:pt x="35" y="75"/>
-                      </a:cubicBezTo>
-                      <a:cubicBezTo>
-                        <a:pt x="35" y="537"/>
-                        <a:pt x="35" y="537"/>
-                        <a:pt x="35" y="537"/>
-                      </a:cubicBezTo>
-                      <a:cubicBezTo>
-                        <a:pt x="35" y="560"/>
-                        <a:pt x="53" y="578"/>
-                        <a:pt x="75" y="578"/>
-                      </a:cubicBezTo>
-                      <a:cubicBezTo>
-                        <a:pt x="397" y="578"/>
-                        <a:pt x="397" y="578"/>
-                        <a:pt x="397" y="578"/>
-                      </a:cubicBezTo>
-                      <a:cubicBezTo>
-                        <a:pt x="419" y="578"/>
-                        <a:pt x="437" y="560"/>
-                        <a:pt x="437" y="537"/>
-                      </a:cubicBezTo>
-                      <a:cubicBezTo>
-                        <a:pt x="437" y="201"/>
-                        <a:pt x="437" y="201"/>
-                        <a:pt x="437" y="201"/>
-                      </a:cubicBezTo>
-                      <a:cubicBezTo>
-                        <a:pt x="437" y="179"/>
-                        <a:pt x="419" y="161"/>
-                        <a:pt x="397" y="161"/>
-                      </a:cubicBezTo>
-                      <a:cubicBezTo>
-                        <a:pt x="332" y="161"/>
-                        <a:pt x="332" y="161"/>
-                        <a:pt x="332" y="161"/>
-                      </a:cubicBezTo>
-                      <a:cubicBezTo>
-                        <a:pt x="317" y="161"/>
-                        <a:pt x="304" y="149"/>
-                        <a:pt x="304" y="134"/>
-                      </a:cubicBezTo>
-                      <a:cubicBezTo>
-                        <a:pt x="304" y="75"/>
-                        <a:pt x="304" y="75"/>
-                        <a:pt x="304" y="75"/>
-                      </a:cubicBezTo>
-                      <a:cubicBezTo>
-                        <a:pt x="304" y="53"/>
-                        <a:pt x="286" y="35"/>
-                        <a:pt x="264" y="35"/>
-                      </a:cubicBezTo>
-                      <a:lnTo>
-                        <a:pt x="75" y="35"/>
-                      </a:lnTo>
-                      <a:close/>
-                    </a:path>
-                  </a:pathLst>
-                </a:custGeom>
-                <a:solidFill>
-                  <a:srgbClr val="000000"/>
-                </a:solidFill>
-                <a:ln>
-                  <a:noFill/>
-                </a:ln>
-                <a:extLst>
-                  <a:ext uri="{91240B29-F687-4F45-9708-019B960494DF}">
-                    <a14:hiddenLine xmlns:a14="http://schemas.microsoft.com/office/drawing/2010/main" w="9525">
-                      <a:solidFill>
-                        <a:srgbClr val="000000"/>
-                      </a:solidFill>
-                      <a:round/>
-                    </a14:hiddenLine>
-                  </a:ext>
-                </a:extLst>
-              </p:spPr>
-              <p:txBody>
-                <a:bodyPr vert="horz" wrap="square" lIns="91440" tIns="45720" rIns="91440" bIns="45720" numCol="1" anchor="t" anchorCtr="0" compatLnSpc="1"/>
-                <a:lstStyle/>
-                <a:p>
-                  <a:endParaRPr lang="en-US"/>
-                </a:p>
-              </p:txBody>
-            </p:sp>
-            <p:sp>
-              <p:nvSpPr>
-                <p:cNvPr id="8" name="Freeform 86">
-                  <a:extLst>
-                    <a:ext uri="{FF2B5EF4-FFF2-40B4-BE49-F238E27FC236}">
-                      <a16:creationId xmlns:a16="http://schemas.microsoft.com/office/drawing/2014/main" id="{3D562DC0-CBC2-BF44-AE9C-B6CF0C5141B1}"/>
-                    </a:ext>
-                  </a:extLst>
-                </p:cNvPr>
-                <p:cNvSpPr>
-                  <a:spLocks noEditPoints="1"/>
-                </p:cNvSpPr>
-                <p:nvPr/>
-              </p:nvSpPr>
-              <p:spPr bwMode="auto">
-                <a:xfrm>
-                  <a:off x="4697256" y="4026102"/>
-                  <a:ext cx="662857" cy="926447"/>
-                </a:xfrm>
-                <a:custGeom>
-                  <a:avLst/>
-                  <a:gdLst>
-                    <a:gd name="T0" fmla="*/ 97 w 472"/>
-                    <a:gd name="T1" fmla="*/ 512 h 612"/>
-                    <a:gd name="T2" fmla="*/ 97 w 472"/>
-                    <a:gd name="T3" fmla="*/ 483 h 612"/>
-                    <a:gd name="T4" fmla="*/ 390 w 472"/>
-                    <a:gd name="T5" fmla="*/ 497 h 612"/>
-                    <a:gd name="T6" fmla="*/ 375 w 472"/>
-                    <a:gd name="T7" fmla="*/ 435 h 612"/>
-                    <a:gd name="T8" fmla="*/ 82 w 472"/>
-                    <a:gd name="T9" fmla="*/ 421 h 612"/>
-                    <a:gd name="T10" fmla="*/ 375 w 472"/>
-                    <a:gd name="T11" fmla="*/ 406 h 612"/>
-                    <a:gd name="T12" fmla="*/ 375 w 472"/>
-                    <a:gd name="T13" fmla="*/ 435 h 612"/>
-                    <a:gd name="T14" fmla="*/ 97 w 472"/>
-                    <a:gd name="T15" fmla="*/ 359 h 612"/>
-                    <a:gd name="T16" fmla="*/ 97 w 472"/>
-                    <a:gd name="T17" fmla="*/ 330 h 612"/>
-                    <a:gd name="T18" fmla="*/ 390 w 472"/>
-                    <a:gd name="T19" fmla="*/ 344 h 612"/>
-                    <a:gd name="T20" fmla="*/ 375 w 472"/>
-                    <a:gd name="T21" fmla="*/ 282 h 612"/>
-                    <a:gd name="T22" fmla="*/ 82 w 472"/>
-                    <a:gd name="T23" fmla="*/ 268 h 612"/>
-                    <a:gd name="T24" fmla="*/ 375 w 472"/>
-                    <a:gd name="T25" fmla="*/ 254 h 612"/>
-                    <a:gd name="T26" fmla="*/ 375 w 472"/>
-                    <a:gd name="T27" fmla="*/ 282 h 612"/>
-                    <a:gd name="T28" fmla="*/ 97 w 472"/>
-                    <a:gd name="T29" fmla="*/ 206 h 612"/>
-                    <a:gd name="T30" fmla="*/ 97 w 472"/>
-                    <a:gd name="T31" fmla="*/ 177 h 612"/>
-                    <a:gd name="T32" fmla="*/ 260 w 472"/>
-                    <a:gd name="T33" fmla="*/ 191 h 612"/>
-                    <a:gd name="T34" fmla="*/ 246 w 472"/>
-                    <a:gd name="T35" fmla="*/ 129 h 612"/>
-                    <a:gd name="T36" fmla="*/ 82 w 472"/>
-                    <a:gd name="T37" fmla="*/ 115 h 612"/>
-                    <a:gd name="T38" fmla="*/ 246 w 472"/>
-                    <a:gd name="T39" fmla="*/ 101 h 612"/>
-                    <a:gd name="T40" fmla="*/ 246 w 472"/>
-                    <a:gd name="T41" fmla="*/ 129 h 612"/>
-                    <a:gd name="T42" fmla="*/ 0 w 472"/>
-                    <a:gd name="T43" fmla="*/ 585 h 612"/>
-                    <a:gd name="T44" fmla="*/ 27 w 472"/>
-                    <a:gd name="T45" fmla="*/ 0 h 612"/>
-                    <a:gd name="T46" fmla="*/ 346 w 472"/>
-                    <a:gd name="T47" fmla="*/ 22 h 612"/>
-                    <a:gd name="T48" fmla="*/ 472 w 472"/>
-                    <a:gd name="T49" fmla="*/ 179 h 612"/>
-                    <a:gd name="T50" fmla="*/ 445 w 472"/>
-                    <a:gd name="T51" fmla="*/ 612 h 612"/>
-                    <a:gd name="T52" fmla="*/ 75 w 472"/>
-                    <a:gd name="T53" fmla="*/ 35 h 612"/>
-                    <a:gd name="T54" fmla="*/ 35 w 472"/>
-                    <a:gd name="T55" fmla="*/ 537 h 612"/>
-                    <a:gd name="T56" fmla="*/ 397 w 472"/>
-                    <a:gd name="T57" fmla="*/ 578 h 612"/>
-                    <a:gd name="T58" fmla="*/ 437 w 472"/>
-                    <a:gd name="T59" fmla="*/ 201 h 612"/>
-                    <a:gd name="T60" fmla="*/ 332 w 472"/>
-                    <a:gd name="T61" fmla="*/ 161 h 612"/>
-                    <a:gd name="T62" fmla="*/ 304 w 472"/>
-                    <a:gd name="T63" fmla="*/ 75 h 612"/>
-                    <a:gd name="T64" fmla="*/ 75 w 472"/>
-                    <a:gd name="T65" fmla="*/ 35 h 612"/>
-                  </a:gdLst>
-                  <a:ahLst/>
-                  <a:cxnLst>
-                    <a:cxn ang="0">
-                      <a:pos x="T0" y="T1"/>
-                    </a:cxn>
-                    <a:cxn ang="0">
-                      <a:pos x="T2" y="T3"/>
-                    </a:cxn>
-                    <a:cxn ang="0">
-                      <a:pos x="T4" y="T5"/>
-                    </a:cxn>
-                    <a:cxn ang="0">
-                      <a:pos x="T6" y="T7"/>
-                    </a:cxn>
-                    <a:cxn ang="0">
-                      <a:pos x="T8" y="T9"/>
-                    </a:cxn>
-                    <a:cxn ang="0">
-                      <a:pos x="T10" y="T11"/>
-                    </a:cxn>
-                    <a:cxn ang="0">
-                      <a:pos x="T12" y="T13"/>
-                    </a:cxn>
-                    <a:cxn ang="0">
-                      <a:pos x="T14" y="T15"/>
-                    </a:cxn>
-                    <a:cxn ang="0">
-                      <a:pos x="T16" y="T17"/>
-                    </a:cxn>
-                    <a:cxn ang="0">
-                      <a:pos x="T18" y="T19"/>
-                    </a:cxn>
-                    <a:cxn ang="0">
-                      <a:pos x="T20" y="T21"/>
-                    </a:cxn>
-                    <a:cxn ang="0">
-                      <a:pos x="T22" y="T23"/>
-                    </a:cxn>
-                    <a:cxn ang="0">
-                      <a:pos x="T24" y="T25"/>
-                    </a:cxn>
-                    <a:cxn ang="0">
-                      <a:pos x="T26" y="T27"/>
-                    </a:cxn>
-                    <a:cxn ang="0">
-                      <a:pos x="T28" y="T29"/>
-                    </a:cxn>
-                    <a:cxn ang="0">
-                      <a:pos x="T30" y="T31"/>
-                    </a:cxn>
-                    <a:cxn ang="0">
-                      <a:pos x="T32" y="T33"/>
-                    </a:cxn>
-                    <a:cxn ang="0">
-                      <a:pos x="T34" y="T35"/>
-                    </a:cxn>
-                    <a:cxn ang="0">
-                      <a:pos x="T36" y="T37"/>
-                    </a:cxn>
-                    <a:cxn ang="0">
-                      <a:pos x="T38" y="T39"/>
-                    </a:cxn>
-                    <a:cxn ang="0">
-                      <a:pos x="T40" y="T41"/>
-                    </a:cxn>
-                    <a:cxn ang="0">
-                      <a:pos x="T42" y="T43"/>
-                    </a:cxn>
-                    <a:cxn ang="0">
-                      <a:pos x="T44" y="T45"/>
-                    </a:cxn>
-                    <a:cxn ang="0">
-                      <a:pos x="T46" y="T47"/>
-                    </a:cxn>
-                    <a:cxn ang="0">
-                      <a:pos x="T48" y="T49"/>
-                    </a:cxn>
-                    <a:cxn ang="0">
-                      <a:pos x="T50" y="T51"/>
-                    </a:cxn>
-                    <a:cxn ang="0">
-                      <a:pos x="T52" y="T53"/>
-                    </a:cxn>
-                    <a:cxn ang="0">
-                      <a:pos x="T54" y="T55"/>
-                    </a:cxn>
-                    <a:cxn ang="0">
-                      <a:pos x="T56" y="T57"/>
-                    </a:cxn>
-                    <a:cxn ang="0">
-                      <a:pos x="T58" y="T59"/>
-                    </a:cxn>
-                    <a:cxn ang="0">
-                      <a:pos x="T60" y="T61"/>
-                    </a:cxn>
-                    <a:cxn ang="0">
-                      <a:pos x="T62" y="T63"/>
-                    </a:cxn>
-                    <a:cxn ang="0">
-                      <a:pos x="T64" y="T65"/>
-                    </a:cxn>
-                  </a:cxnLst>
-                  <a:rect l="0" t="0" r="r" b="b"/>
-                  <a:pathLst>
-                    <a:path w="472" h="612">
-                      <a:moveTo>
-                        <a:pt x="375" y="512"/>
-                      </a:moveTo>
-                      <a:cubicBezTo>
-                        <a:pt x="97" y="512"/>
-                        <a:pt x="97" y="512"/>
-                        <a:pt x="97" y="512"/>
-                      </a:cubicBezTo>
-                      <a:cubicBezTo>
-                        <a:pt x="89" y="512"/>
-                        <a:pt x="82" y="505"/>
-                        <a:pt x="82" y="497"/>
-                      </a:cubicBezTo>
-                      <a:cubicBezTo>
-                        <a:pt x="82" y="489"/>
-                        <a:pt x="89" y="483"/>
-                        <a:pt x="97" y="483"/>
-                      </a:cubicBezTo>
-                      <a:cubicBezTo>
-                        <a:pt x="375" y="483"/>
-                        <a:pt x="375" y="483"/>
-                        <a:pt x="375" y="483"/>
-                      </a:cubicBezTo>
-                      <a:cubicBezTo>
-                        <a:pt x="383" y="483"/>
-                        <a:pt x="390" y="489"/>
-                        <a:pt x="390" y="497"/>
-                      </a:cubicBezTo>
-                      <a:cubicBezTo>
-                        <a:pt x="390" y="505"/>
-                        <a:pt x="383" y="512"/>
-                        <a:pt x="375" y="512"/>
-                      </a:cubicBezTo>
-                      <a:close/>
-                      <a:moveTo>
-                        <a:pt x="375" y="435"/>
-                      </a:moveTo>
-                      <a:cubicBezTo>
-                        <a:pt x="97" y="435"/>
-                        <a:pt x="97" y="435"/>
-                        <a:pt x="97" y="435"/>
-                      </a:cubicBezTo>
-                      <a:cubicBezTo>
-                        <a:pt x="89" y="435"/>
-                        <a:pt x="82" y="429"/>
-                        <a:pt x="82" y="421"/>
-                      </a:cubicBezTo>
-                      <a:cubicBezTo>
-                        <a:pt x="82" y="413"/>
-                        <a:pt x="89" y="406"/>
-                        <a:pt x="97" y="406"/>
-                      </a:cubicBezTo>
-                      <a:cubicBezTo>
-                        <a:pt x="375" y="406"/>
-                        <a:pt x="375" y="406"/>
-                        <a:pt x="375" y="406"/>
-                      </a:cubicBezTo>
-                      <a:cubicBezTo>
-                        <a:pt x="383" y="406"/>
-                        <a:pt x="390" y="413"/>
-                        <a:pt x="390" y="421"/>
-                      </a:cubicBezTo>
-                      <a:cubicBezTo>
-                        <a:pt x="390" y="429"/>
-                        <a:pt x="383" y="435"/>
-                        <a:pt x="375" y="435"/>
-                      </a:cubicBezTo>
-                      <a:close/>
-                      <a:moveTo>
-                        <a:pt x="375" y="359"/>
-                      </a:moveTo>
-                      <a:cubicBezTo>
-                        <a:pt x="97" y="359"/>
-                        <a:pt x="97" y="359"/>
-                        <a:pt x="97" y="359"/>
-                      </a:cubicBezTo>
-                      <a:cubicBezTo>
-                        <a:pt x="89" y="359"/>
-                        <a:pt x="82" y="352"/>
-                        <a:pt x="82" y="344"/>
-                      </a:cubicBezTo>
-                      <a:cubicBezTo>
-                        <a:pt x="82" y="336"/>
-                        <a:pt x="89" y="330"/>
-                        <a:pt x="97" y="330"/>
-                      </a:cubicBezTo>
-                      <a:cubicBezTo>
-                        <a:pt x="375" y="330"/>
-                        <a:pt x="375" y="330"/>
-                        <a:pt x="375" y="330"/>
-                      </a:cubicBezTo>
-                      <a:cubicBezTo>
-                        <a:pt x="383" y="330"/>
-                        <a:pt x="390" y="336"/>
-                        <a:pt x="390" y="344"/>
-                      </a:cubicBezTo>
-                      <a:cubicBezTo>
-                        <a:pt x="390" y="352"/>
-                        <a:pt x="383" y="359"/>
-                        <a:pt x="375" y="359"/>
-                      </a:cubicBezTo>
-                      <a:close/>
-                      <a:moveTo>
-                        <a:pt x="375" y="282"/>
-                      </a:moveTo>
-                      <a:cubicBezTo>
-                        <a:pt x="97" y="282"/>
-                        <a:pt x="97" y="282"/>
-                        <a:pt x="97" y="282"/>
-                      </a:cubicBezTo>
-                      <a:cubicBezTo>
-                        <a:pt x="89" y="282"/>
-                        <a:pt x="82" y="276"/>
-                        <a:pt x="82" y="268"/>
-                      </a:cubicBezTo>
-                      <a:cubicBezTo>
-                        <a:pt x="82" y="260"/>
-                        <a:pt x="89" y="254"/>
-                        <a:pt x="97" y="254"/>
-                      </a:cubicBezTo>
-                      <a:cubicBezTo>
-                        <a:pt x="375" y="254"/>
-                        <a:pt x="375" y="254"/>
-                        <a:pt x="375" y="254"/>
-                      </a:cubicBezTo>
-                      <a:cubicBezTo>
-                        <a:pt x="383" y="254"/>
-                        <a:pt x="390" y="260"/>
-                        <a:pt x="390" y="268"/>
-                      </a:cubicBezTo>
-                      <a:cubicBezTo>
-                        <a:pt x="390" y="276"/>
-                        <a:pt x="383" y="282"/>
-                        <a:pt x="375" y="282"/>
-                      </a:cubicBezTo>
-                      <a:close/>
-                      <a:moveTo>
-                        <a:pt x="246" y="206"/>
-                      </a:moveTo>
-                      <a:cubicBezTo>
-                        <a:pt x="97" y="206"/>
-                        <a:pt x="97" y="206"/>
-                        <a:pt x="97" y="206"/>
-                      </a:cubicBezTo>
-                      <a:cubicBezTo>
-                        <a:pt x="89" y="206"/>
-                        <a:pt x="82" y="199"/>
-                        <a:pt x="82" y="191"/>
-                      </a:cubicBezTo>
-                      <a:cubicBezTo>
-                        <a:pt x="82" y="183"/>
-                        <a:pt x="89" y="177"/>
-                        <a:pt x="97" y="177"/>
-                      </a:cubicBezTo>
-                      <a:cubicBezTo>
-                        <a:pt x="246" y="177"/>
-                        <a:pt x="246" y="177"/>
-                        <a:pt x="246" y="177"/>
-                      </a:cubicBezTo>
-                      <a:cubicBezTo>
-                        <a:pt x="254" y="177"/>
-                        <a:pt x="260" y="183"/>
-                        <a:pt x="260" y="191"/>
-                      </a:cubicBezTo>
-                      <a:cubicBezTo>
-                        <a:pt x="260" y="199"/>
-                        <a:pt x="254" y="206"/>
-                        <a:pt x="246" y="206"/>
-                      </a:cubicBezTo>
-                      <a:close/>
-                      <a:moveTo>
-                        <a:pt x="246" y="129"/>
-                      </a:moveTo>
-                      <a:cubicBezTo>
-                        <a:pt x="97" y="129"/>
-                        <a:pt x="97" y="129"/>
-                        <a:pt x="97" y="129"/>
-                      </a:cubicBezTo>
-                      <a:cubicBezTo>
-                        <a:pt x="89" y="129"/>
-                        <a:pt x="82" y="123"/>
-                        <a:pt x="82" y="115"/>
-                      </a:cubicBezTo>
-                      <a:cubicBezTo>
-                        <a:pt x="82" y="107"/>
-                        <a:pt x="89" y="101"/>
-                        <a:pt x="97" y="101"/>
-                      </a:cubicBezTo>
-                      <a:cubicBezTo>
-                        <a:pt x="246" y="101"/>
-                        <a:pt x="246" y="101"/>
-                        <a:pt x="246" y="101"/>
-                      </a:cubicBezTo>
-                      <a:cubicBezTo>
-                        <a:pt x="254" y="101"/>
-                        <a:pt x="260" y="107"/>
-                        <a:pt x="260" y="115"/>
-                      </a:cubicBezTo>
-                      <a:cubicBezTo>
-                        <a:pt x="260" y="123"/>
-                        <a:pt x="254" y="129"/>
-                        <a:pt x="246" y="129"/>
-                      </a:cubicBezTo>
-                      <a:close/>
-                      <a:moveTo>
-                        <a:pt x="27" y="612"/>
-                      </a:moveTo>
-                      <a:cubicBezTo>
-                        <a:pt x="12" y="612"/>
-                        <a:pt x="0" y="600"/>
-                        <a:pt x="0" y="585"/>
-                      </a:cubicBezTo>
-                      <a:cubicBezTo>
-                        <a:pt x="0" y="27"/>
-                        <a:pt x="0" y="27"/>
-                        <a:pt x="0" y="27"/>
-                      </a:cubicBezTo>
-                      <a:cubicBezTo>
-                        <a:pt x="0" y="12"/>
-                        <a:pt x="12" y="0"/>
-                        <a:pt x="27" y="0"/>
-                      </a:cubicBezTo>
-                      <a:cubicBezTo>
-                        <a:pt x="293" y="0"/>
-                        <a:pt x="293" y="0"/>
-                        <a:pt x="293" y="0"/>
-                      </a:cubicBezTo>
-                      <a:cubicBezTo>
-                        <a:pt x="310" y="0"/>
-                        <a:pt x="334" y="10"/>
-                        <a:pt x="346" y="22"/>
-                      </a:cubicBezTo>
-                      <a:cubicBezTo>
-                        <a:pt x="450" y="126"/>
-                        <a:pt x="450" y="126"/>
-                        <a:pt x="450" y="126"/>
-                      </a:cubicBezTo>
-                      <a:cubicBezTo>
-                        <a:pt x="462" y="138"/>
-                        <a:pt x="472" y="162"/>
-                        <a:pt x="472" y="179"/>
-                      </a:cubicBezTo>
-                      <a:cubicBezTo>
-                        <a:pt x="472" y="585"/>
-                        <a:pt x="472" y="585"/>
-                        <a:pt x="472" y="585"/>
-                      </a:cubicBezTo>
-                      <a:cubicBezTo>
-                        <a:pt x="472" y="600"/>
-                        <a:pt x="460" y="612"/>
-                        <a:pt x="445" y="612"/>
-                      </a:cubicBezTo>
-                      <a:lnTo>
-                        <a:pt x="27" y="612"/>
-                      </a:lnTo>
-                      <a:close/>
-                      <a:moveTo>
-                        <a:pt x="75" y="35"/>
-                      </a:moveTo>
-                      <a:cubicBezTo>
-                        <a:pt x="53" y="35"/>
-                        <a:pt x="35" y="53"/>
-                        <a:pt x="35" y="75"/>
-                      </a:cubicBezTo>
-                      <a:cubicBezTo>
-                        <a:pt x="35" y="537"/>
-                        <a:pt x="35" y="537"/>
-                        <a:pt x="35" y="537"/>
-                      </a:cubicBezTo>
-                      <a:cubicBezTo>
-                        <a:pt x="35" y="560"/>
-                        <a:pt x="53" y="578"/>
-                        <a:pt x="75" y="578"/>
-                      </a:cubicBezTo>
-                      <a:cubicBezTo>
-                        <a:pt x="397" y="578"/>
-                        <a:pt x="397" y="578"/>
-                        <a:pt x="397" y="578"/>
-                      </a:cubicBezTo>
-                      <a:cubicBezTo>
-                        <a:pt x="419" y="578"/>
-                        <a:pt x="437" y="560"/>
-                        <a:pt x="437" y="537"/>
-                      </a:cubicBezTo>
-                      <a:cubicBezTo>
-                        <a:pt x="437" y="201"/>
-                        <a:pt x="437" y="201"/>
-                        <a:pt x="437" y="201"/>
-                      </a:cubicBezTo>
-                      <a:cubicBezTo>
-                        <a:pt x="437" y="179"/>
-                        <a:pt x="419" y="161"/>
-                        <a:pt x="397" y="161"/>
-                      </a:cubicBezTo>
-                      <a:cubicBezTo>
-                        <a:pt x="332" y="161"/>
-                        <a:pt x="332" y="161"/>
-                        <a:pt x="332" y="161"/>
-                      </a:cubicBezTo>
-                      <a:cubicBezTo>
-                        <a:pt x="317" y="161"/>
-                        <a:pt x="304" y="149"/>
-                        <a:pt x="304" y="134"/>
-                      </a:cubicBezTo>
-                      <a:cubicBezTo>
-                        <a:pt x="304" y="75"/>
-                        <a:pt x="304" y="75"/>
-                        <a:pt x="304" y="75"/>
-                      </a:cubicBezTo>
-                      <a:cubicBezTo>
-                        <a:pt x="304" y="53"/>
-                        <a:pt x="286" y="35"/>
-                        <a:pt x="264" y="35"/>
-                      </a:cubicBezTo>
-                      <a:lnTo>
-                        <a:pt x="75" y="35"/>
-                      </a:lnTo>
-                      <a:close/>
-                    </a:path>
-                  </a:pathLst>
-                </a:custGeom>
-                <a:solidFill>
-                  <a:srgbClr val="000000"/>
-                </a:solidFill>
-                <a:ln>
-                  <a:noFill/>
-                </a:ln>
-                <a:extLst>
-                  <a:ext uri="{91240B29-F687-4F45-9708-019B960494DF}">
-                    <a14:hiddenLine xmlns:a14="http://schemas.microsoft.com/office/drawing/2010/main" w="9525">
-                      <a:solidFill>
-                        <a:srgbClr val="000000"/>
-                      </a:solidFill>
-                      <a:round/>
-                    </a14:hiddenLine>
-                  </a:ext>
-                </a:extLst>
-              </p:spPr>
-              <p:txBody>
-                <a:bodyPr vert="horz" wrap="square" lIns="91440" tIns="45720" rIns="91440" bIns="45720" numCol="1" anchor="t" anchorCtr="0" compatLnSpc="1"/>
-                <a:lstStyle/>
-                <a:p>
-                  <a:endParaRPr lang="en-US"/>
-                </a:p>
-              </p:txBody>
-            </p:sp>
-            <p:sp>
-              <p:nvSpPr>
-                <p:cNvPr id="9" name="TextBox 8">
-                  <a:extLst>
-                    <a:ext uri="{FF2B5EF4-FFF2-40B4-BE49-F238E27FC236}">
-                      <a16:creationId xmlns:a16="http://schemas.microsoft.com/office/drawing/2014/main" id="{CE17AD06-A64A-D646-AFEE-C6362DD5F738}"/>
-                    </a:ext>
-                  </a:extLst>
-                </p:cNvPr>
-                <p:cNvSpPr txBox="1"/>
-                <p:nvPr/>
-              </p:nvSpPr>
-              <p:spPr>
-                <a:xfrm>
-                  <a:off x="1702411" y="5212301"/>
-                  <a:ext cx="1121326" cy="416051"/>
-                </a:xfrm>
-                <a:prstGeom prst="rect">
-                  <a:avLst/>
-                </a:prstGeom>
-                <a:noFill/>
-              </p:spPr>
-              <p:txBody>
-                <a:bodyPr wrap="square" rtlCol="0">
-                  <a:spAutoFit/>
-                </a:bodyPr>
-                <a:lstStyle/>
-                <a:p>
-                  <a:r>
-                    <a:rPr lang="en-US" sz="1200" dirty="0"/>
-                    <a:t>Cab_Data.csv </a:t>
-                  </a:r>
-                </a:p>
-              </p:txBody>
-            </p:sp>
-            <p:sp>
-              <p:nvSpPr>
-                <p:cNvPr id="10" name="TextBox 9">
-                  <a:extLst>
-                    <a:ext uri="{FF2B5EF4-FFF2-40B4-BE49-F238E27FC236}">
-                      <a16:creationId xmlns:a16="http://schemas.microsoft.com/office/drawing/2014/main" id="{4A0D3DAE-96EE-934F-9AF0-0620F641D805}"/>
-                    </a:ext>
-                  </a:extLst>
-                </p:cNvPr>
-                <p:cNvSpPr txBox="1"/>
-                <p:nvPr/>
-              </p:nvSpPr>
-              <p:spPr>
-                <a:xfrm>
-                  <a:off x="3097359" y="5212301"/>
-                  <a:ext cx="1264000" cy="276999"/>
-                </a:xfrm>
-                <a:prstGeom prst="rect">
-                  <a:avLst/>
-                </a:prstGeom>
-                <a:noFill/>
-              </p:spPr>
-              <p:txBody>
-                <a:bodyPr wrap="none" rtlCol="0">
-                  <a:spAutoFit/>
-                </a:bodyPr>
-                <a:lstStyle/>
-                <a:p>
-                  <a:r>
-                    <a:rPr lang="en-US" sz="1200" dirty="0"/>
-                    <a:t>Customer_ID.csv </a:t>
-                  </a:r>
-                </a:p>
-              </p:txBody>
-            </p:sp>
-            <p:sp>
-              <p:nvSpPr>
-                <p:cNvPr id="11" name="TextBox 10">
-                  <a:extLst>
-                    <a:ext uri="{FF2B5EF4-FFF2-40B4-BE49-F238E27FC236}">
-                      <a16:creationId xmlns:a16="http://schemas.microsoft.com/office/drawing/2014/main" id="{47AD77A3-4610-5746-A31C-60C6F70B1C43}"/>
-                    </a:ext>
-                  </a:extLst>
-                </p:cNvPr>
-                <p:cNvSpPr txBox="1"/>
-                <p:nvPr/>
-              </p:nvSpPr>
-              <p:spPr>
-                <a:xfrm>
-                  <a:off x="4525356" y="5212302"/>
-                  <a:ext cx="1376339" cy="276999"/>
-                </a:xfrm>
-                <a:prstGeom prst="rect">
-                  <a:avLst/>
-                </a:prstGeom>
-                <a:noFill/>
-              </p:spPr>
-              <p:txBody>
-                <a:bodyPr wrap="none" rtlCol="0">
-                  <a:spAutoFit/>
-                </a:bodyPr>
-                <a:lstStyle/>
-                <a:p>
-                  <a:r>
-                    <a:rPr lang="en-US" sz="1200" dirty="0"/>
-                    <a:t>Transaction_ID.csv </a:t>
-                  </a:r>
-                </a:p>
-              </p:txBody>
-            </p:sp>
-            <p:sp>
-              <p:nvSpPr>
-                <p:cNvPr id="12" name="TextBox 11">
-                  <a:extLst>
-                    <a:ext uri="{FF2B5EF4-FFF2-40B4-BE49-F238E27FC236}">
-                      <a16:creationId xmlns:a16="http://schemas.microsoft.com/office/drawing/2014/main" id="{EB3521C2-5790-E344-BD1C-0D4FC1CF26FD}"/>
-                    </a:ext>
-                  </a:extLst>
-                </p:cNvPr>
-                <p:cNvSpPr txBox="1"/>
-                <p:nvPr/>
-              </p:nvSpPr>
-              <p:spPr>
-                <a:xfrm>
-                  <a:off x="6120505" y="5212301"/>
-                  <a:ext cx="750481" cy="416051"/>
-                </a:xfrm>
-                <a:prstGeom prst="rect">
-                  <a:avLst/>
-                </a:prstGeom>
-                <a:noFill/>
-              </p:spPr>
-              <p:txBody>
-                <a:bodyPr wrap="square" rtlCol="0">
-                  <a:spAutoFit/>
-                </a:bodyPr>
-                <a:lstStyle/>
-                <a:p>
-                  <a:r>
-                    <a:rPr lang="en-US" sz="1200" dirty="0"/>
-                    <a:t>City.csv</a:t>
-                  </a:r>
-                </a:p>
-              </p:txBody>
-            </p:sp>
-          </p:grpSp>
-          <p:cxnSp>
-            <p:nvCxnSpPr>
-              <p:cNvPr id="15" name="Straight Arrow Connector 14">
-                <a:extLst>
-                  <a:ext uri="{FF2B5EF4-FFF2-40B4-BE49-F238E27FC236}">
-                    <a16:creationId xmlns:a16="http://schemas.microsoft.com/office/drawing/2014/main" id="{4D6DE20A-0E01-EE4B-8044-8894936D49AA}"/>
-                  </a:ext>
-                </a:extLst>
-              </p:cNvPr>
-              <p:cNvCxnSpPr>
-                <a:cxnSpLocks/>
-              </p:cNvCxnSpPr>
-              <p:nvPr/>
-            </p:nvCxnSpPr>
-            <p:spPr>
-              <a:xfrm>
-                <a:off x="2624242" y="4379438"/>
-                <a:ext cx="1826170" cy="1511381"/>
-              </a:xfrm>
-              <a:prstGeom prst="straightConnector1">
-                <a:avLst/>
-              </a:prstGeom>
-              <a:ln>
-                <a:tailEnd type="triangle"/>
-              </a:ln>
-            </p:spPr>
-            <p:style>
-              <a:lnRef idx="1">
-                <a:schemeClr val="accent1"/>
-              </a:lnRef>
-              <a:fillRef idx="0">
-                <a:schemeClr val="accent1"/>
-              </a:fillRef>
-              <a:effectRef idx="0">
-                <a:schemeClr val="accent1"/>
-              </a:effectRef>
-              <a:fontRef idx="minor">
-                <a:schemeClr val="tx1"/>
-              </a:fontRef>
-            </p:style>
-          </p:cxnSp>
-          <p:cxnSp>
-            <p:nvCxnSpPr>
-              <p:cNvPr id="16" name="Straight Arrow Connector 15">
-                <a:extLst>
-                  <a:ext uri="{FF2B5EF4-FFF2-40B4-BE49-F238E27FC236}">
-                    <a16:creationId xmlns:a16="http://schemas.microsoft.com/office/drawing/2014/main" id="{A431A592-54E9-AD42-9CA5-EC9F54EC6F9A}"/>
-                  </a:ext>
-                </a:extLst>
-              </p:cNvPr>
-              <p:cNvCxnSpPr>
-                <a:cxnSpLocks/>
-              </p:cNvCxnSpPr>
-              <p:nvPr/>
-            </p:nvCxnSpPr>
-            <p:spPr>
-              <a:xfrm flipH="1">
-                <a:off x="5258570" y="4455645"/>
-                <a:ext cx="782456" cy="1256454"/>
-              </a:xfrm>
-              <a:prstGeom prst="straightConnector1">
-                <a:avLst/>
-              </a:prstGeom>
-              <a:ln>
-                <a:tailEnd type="triangle"/>
-              </a:ln>
-            </p:spPr>
-            <p:style>
-              <a:lnRef idx="1">
-                <a:schemeClr val="accent1"/>
-              </a:lnRef>
-              <a:fillRef idx="0">
-                <a:schemeClr val="accent1"/>
-              </a:fillRef>
-              <a:effectRef idx="0">
-                <a:schemeClr val="accent1"/>
-              </a:effectRef>
-              <a:fontRef idx="minor">
-                <a:schemeClr val="tx1"/>
-              </a:fontRef>
-            </p:style>
-          </p:cxnSp>
-          <p:cxnSp>
-            <p:nvCxnSpPr>
-              <p:cNvPr id="20" name="Straight Arrow Connector 19">
-                <a:extLst>
-                  <a:ext uri="{FF2B5EF4-FFF2-40B4-BE49-F238E27FC236}">
-                    <a16:creationId xmlns:a16="http://schemas.microsoft.com/office/drawing/2014/main" id="{5ECA411C-EB3C-BF4E-8B97-C5C9F4789282}"/>
-                  </a:ext>
-                </a:extLst>
-              </p:cNvPr>
-              <p:cNvCxnSpPr>
-                <a:cxnSpLocks/>
-              </p:cNvCxnSpPr>
-              <p:nvPr/>
-            </p:nvCxnSpPr>
-            <p:spPr>
-              <a:xfrm>
-                <a:off x="3729359" y="4367355"/>
-                <a:ext cx="827805" cy="1334194"/>
-              </a:xfrm>
-              <a:prstGeom prst="straightConnector1">
-                <a:avLst/>
-              </a:prstGeom>
-              <a:ln>
-                <a:tailEnd type="triangle"/>
-              </a:ln>
-            </p:spPr>
-            <p:style>
-              <a:lnRef idx="1">
-                <a:schemeClr val="accent1"/>
-              </a:lnRef>
-              <a:fillRef idx="0">
-                <a:schemeClr val="accent1"/>
-              </a:fillRef>
-              <a:effectRef idx="0">
-                <a:schemeClr val="accent1"/>
-              </a:effectRef>
-              <a:fontRef idx="minor">
-                <a:schemeClr val="tx1"/>
-              </a:fontRef>
-            </p:style>
-          </p:cxnSp>
-          <p:cxnSp>
-            <p:nvCxnSpPr>
-              <p:cNvPr id="21" name="Straight Arrow Connector 20">
-                <a:extLst>
-                  <a:ext uri="{FF2B5EF4-FFF2-40B4-BE49-F238E27FC236}">
-                    <a16:creationId xmlns:a16="http://schemas.microsoft.com/office/drawing/2014/main" id="{0B23A854-A3FF-3E4C-A3DC-825DBDF2081C}"/>
-                  </a:ext>
-                </a:extLst>
-              </p:cNvPr>
-              <p:cNvCxnSpPr>
-                <a:cxnSpLocks/>
-              </p:cNvCxnSpPr>
-              <p:nvPr/>
-            </p:nvCxnSpPr>
-            <p:spPr>
-              <a:xfrm>
-                <a:off x="4861033" y="4457496"/>
-                <a:ext cx="0" cy="1167845"/>
-              </a:xfrm>
-              <a:prstGeom prst="straightConnector1">
-                <a:avLst/>
-              </a:prstGeom>
-              <a:ln>
-                <a:tailEnd type="triangle"/>
-              </a:ln>
-            </p:spPr>
-            <p:style>
-              <a:lnRef idx="1">
-                <a:schemeClr val="accent1"/>
-              </a:lnRef>
-              <a:fillRef idx="0">
-                <a:schemeClr val="accent1"/>
-              </a:fillRef>
-              <a:effectRef idx="0">
-                <a:schemeClr val="accent1"/>
-              </a:effectRef>
-              <a:fontRef idx="minor">
-                <a:schemeClr val="tx1"/>
-              </a:fontRef>
-            </p:style>
-          </p:cxnSp>
-          <p:sp>
-            <p:nvSpPr>
-              <p:cNvPr id="30" name="Freeform 86">
-                <a:extLst>
-                  <a:ext uri="{FF2B5EF4-FFF2-40B4-BE49-F238E27FC236}">
-                    <a16:creationId xmlns:a16="http://schemas.microsoft.com/office/drawing/2014/main" id="{8424D5D8-D1A2-C448-A948-5F5D29EA093B}"/>
+                    <a16:creationId xmlns:a16="http://schemas.microsoft.com/office/drawing/2014/main" id="{A5420E7C-ED4E-3141-84D7-6FA339ADA06A}"/>
                   </a:ext>
                 </a:extLst>
               </p:cNvPr>
@@ -6878,8 +4389,8 @@
             </p:nvSpPr>
             <p:spPr bwMode="auto">
               <a:xfrm>
-                <a:off x="4570553" y="5755223"/>
-                <a:ext cx="662857" cy="926448"/>
+                <a:off x="6051395" y="4026103"/>
+                <a:ext cx="662857" cy="926447"/>
               </a:xfrm>
               <a:custGeom>
                 <a:avLst/>
@@ -7404,10 +4915,1630 @@
           </p:sp>
           <p:sp>
             <p:nvSpPr>
-              <p:cNvPr id="31" name="TextBox 30">
+              <p:cNvPr id="6" name="Freeform 86">
                 <a:extLst>
                   <a:ext uri="{FF2B5EF4-FFF2-40B4-BE49-F238E27FC236}">
-                    <a16:creationId xmlns:a16="http://schemas.microsoft.com/office/drawing/2014/main" id="{2194446E-F265-1F4C-A70C-A6364F7F2A13}"/>
+                    <a16:creationId xmlns:a16="http://schemas.microsoft.com/office/drawing/2014/main" id="{25FB5E9C-5F16-7840-91D4-0CA515F11B0A}"/>
+                  </a:ext>
+                </a:extLst>
+              </p:cNvPr>
+              <p:cNvSpPr>
+                <a:spLocks noEditPoints="1"/>
+              </p:cNvSpPr>
+              <p:nvPr/>
+            </p:nvSpPr>
+            <p:spPr bwMode="auto">
+              <a:xfrm>
+                <a:off x="1961385" y="4026102"/>
+                <a:ext cx="662857" cy="926447"/>
+              </a:xfrm>
+              <a:custGeom>
+                <a:avLst/>
+                <a:gdLst>
+                  <a:gd name="T0" fmla="*/ 97 w 472"/>
+                  <a:gd name="T1" fmla="*/ 512 h 612"/>
+                  <a:gd name="T2" fmla="*/ 97 w 472"/>
+                  <a:gd name="T3" fmla="*/ 483 h 612"/>
+                  <a:gd name="T4" fmla="*/ 390 w 472"/>
+                  <a:gd name="T5" fmla="*/ 497 h 612"/>
+                  <a:gd name="T6" fmla="*/ 375 w 472"/>
+                  <a:gd name="T7" fmla="*/ 435 h 612"/>
+                  <a:gd name="T8" fmla="*/ 82 w 472"/>
+                  <a:gd name="T9" fmla="*/ 421 h 612"/>
+                  <a:gd name="T10" fmla="*/ 375 w 472"/>
+                  <a:gd name="T11" fmla="*/ 406 h 612"/>
+                  <a:gd name="T12" fmla="*/ 375 w 472"/>
+                  <a:gd name="T13" fmla="*/ 435 h 612"/>
+                  <a:gd name="T14" fmla="*/ 97 w 472"/>
+                  <a:gd name="T15" fmla="*/ 359 h 612"/>
+                  <a:gd name="T16" fmla="*/ 97 w 472"/>
+                  <a:gd name="T17" fmla="*/ 330 h 612"/>
+                  <a:gd name="T18" fmla="*/ 390 w 472"/>
+                  <a:gd name="T19" fmla="*/ 344 h 612"/>
+                  <a:gd name="T20" fmla="*/ 375 w 472"/>
+                  <a:gd name="T21" fmla="*/ 282 h 612"/>
+                  <a:gd name="T22" fmla="*/ 82 w 472"/>
+                  <a:gd name="T23" fmla="*/ 268 h 612"/>
+                  <a:gd name="T24" fmla="*/ 375 w 472"/>
+                  <a:gd name="T25" fmla="*/ 254 h 612"/>
+                  <a:gd name="T26" fmla="*/ 375 w 472"/>
+                  <a:gd name="T27" fmla="*/ 282 h 612"/>
+                  <a:gd name="T28" fmla="*/ 97 w 472"/>
+                  <a:gd name="T29" fmla="*/ 206 h 612"/>
+                  <a:gd name="T30" fmla="*/ 97 w 472"/>
+                  <a:gd name="T31" fmla="*/ 177 h 612"/>
+                  <a:gd name="T32" fmla="*/ 260 w 472"/>
+                  <a:gd name="T33" fmla="*/ 191 h 612"/>
+                  <a:gd name="T34" fmla="*/ 246 w 472"/>
+                  <a:gd name="T35" fmla="*/ 129 h 612"/>
+                  <a:gd name="T36" fmla="*/ 82 w 472"/>
+                  <a:gd name="T37" fmla="*/ 115 h 612"/>
+                  <a:gd name="T38" fmla="*/ 246 w 472"/>
+                  <a:gd name="T39" fmla="*/ 101 h 612"/>
+                  <a:gd name="T40" fmla="*/ 246 w 472"/>
+                  <a:gd name="T41" fmla="*/ 129 h 612"/>
+                  <a:gd name="T42" fmla="*/ 0 w 472"/>
+                  <a:gd name="T43" fmla="*/ 585 h 612"/>
+                  <a:gd name="T44" fmla="*/ 27 w 472"/>
+                  <a:gd name="T45" fmla="*/ 0 h 612"/>
+                  <a:gd name="T46" fmla="*/ 346 w 472"/>
+                  <a:gd name="T47" fmla="*/ 22 h 612"/>
+                  <a:gd name="T48" fmla="*/ 472 w 472"/>
+                  <a:gd name="T49" fmla="*/ 179 h 612"/>
+                  <a:gd name="T50" fmla="*/ 445 w 472"/>
+                  <a:gd name="T51" fmla="*/ 612 h 612"/>
+                  <a:gd name="T52" fmla="*/ 75 w 472"/>
+                  <a:gd name="T53" fmla="*/ 35 h 612"/>
+                  <a:gd name="T54" fmla="*/ 35 w 472"/>
+                  <a:gd name="T55" fmla="*/ 537 h 612"/>
+                  <a:gd name="T56" fmla="*/ 397 w 472"/>
+                  <a:gd name="T57" fmla="*/ 578 h 612"/>
+                  <a:gd name="T58" fmla="*/ 437 w 472"/>
+                  <a:gd name="T59" fmla="*/ 201 h 612"/>
+                  <a:gd name="T60" fmla="*/ 332 w 472"/>
+                  <a:gd name="T61" fmla="*/ 161 h 612"/>
+                  <a:gd name="T62" fmla="*/ 304 w 472"/>
+                  <a:gd name="T63" fmla="*/ 75 h 612"/>
+                  <a:gd name="T64" fmla="*/ 75 w 472"/>
+                  <a:gd name="T65" fmla="*/ 35 h 612"/>
+                </a:gdLst>
+                <a:ahLst/>
+                <a:cxnLst>
+                  <a:cxn ang="0">
+                    <a:pos x="T0" y="T1"/>
+                  </a:cxn>
+                  <a:cxn ang="0">
+                    <a:pos x="T2" y="T3"/>
+                  </a:cxn>
+                  <a:cxn ang="0">
+                    <a:pos x="T4" y="T5"/>
+                  </a:cxn>
+                  <a:cxn ang="0">
+                    <a:pos x="T6" y="T7"/>
+                  </a:cxn>
+                  <a:cxn ang="0">
+                    <a:pos x="T8" y="T9"/>
+                  </a:cxn>
+                  <a:cxn ang="0">
+                    <a:pos x="T10" y="T11"/>
+                  </a:cxn>
+                  <a:cxn ang="0">
+                    <a:pos x="T12" y="T13"/>
+                  </a:cxn>
+                  <a:cxn ang="0">
+                    <a:pos x="T14" y="T15"/>
+                  </a:cxn>
+                  <a:cxn ang="0">
+                    <a:pos x="T16" y="T17"/>
+                  </a:cxn>
+                  <a:cxn ang="0">
+                    <a:pos x="T18" y="T19"/>
+                  </a:cxn>
+                  <a:cxn ang="0">
+                    <a:pos x="T20" y="T21"/>
+                  </a:cxn>
+                  <a:cxn ang="0">
+                    <a:pos x="T22" y="T23"/>
+                  </a:cxn>
+                  <a:cxn ang="0">
+                    <a:pos x="T24" y="T25"/>
+                  </a:cxn>
+                  <a:cxn ang="0">
+                    <a:pos x="T26" y="T27"/>
+                  </a:cxn>
+                  <a:cxn ang="0">
+                    <a:pos x="T28" y="T29"/>
+                  </a:cxn>
+                  <a:cxn ang="0">
+                    <a:pos x="T30" y="T31"/>
+                  </a:cxn>
+                  <a:cxn ang="0">
+                    <a:pos x="T32" y="T33"/>
+                  </a:cxn>
+                  <a:cxn ang="0">
+                    <a:pos x="T34" y="T35"/>
+                  </a:cxn>
+                  <a:cxn ang="0">
+                    <a:pos x="T36" y="T37"/>
+                  </a:cxn>
+                  <a:cxn ang="0">
+                    <a:pos x="T38" y="T39"/>
+                  </a:cxn>
+                  <a:cxn ang="0">
+                    <a:pos x="T40" y="T41"/>
+                  </a:cxn>
+                  <a:cxn ang="0">
+                    <a:pos x="T42" y="T43"/>
+                  </a:cxn>
+                  <a:cxn ang="0">
+                    <a:pos x="T44" y="T45"/>
+                  </a:cxn>
+                  <a:cxn ang="0">
+                    <a:pos x="T46" y="T47"/>
+                  </a:cxn>
+                  <a:cxn ang="0">
+                    <a:pos x="T48" y="T49"/>
+                  </a:cxn>
+                  <a:cxn ang="0">
+                    <a:pos x="T50" y="T51"/>
+                  </a:cxn>
+                  <a:cxn ang="0">
+                    <a:pos x="T52" y="T53"/>
+                  </a:cxn>
+                  <a:cxn ang="0">
+                    <a:pos x="T54" y="T55"/>
+                  </a:cxn>
+                  <a:cxn ang="0">
+                    <a:pos x="T56" y="T57"/>
+                  </a:cxn>
+                  <a:cxn ang="0">
+                    <a:pos x="T58" y="T59"/>
+                  </a:cxn>
+                  <a:cxn ang="0">
+                    <a:pos x="T60" y="T61"/>
+                  </a:cxn>
+                  <a:cxn ang="0">
+                    <a:pos x="T62" y="T63"/>
+                  </a:cxn>
+                  <a:cxn ang="0">
+                    <a:pos x="T64" y="T65"/>
+                  </a:cxn>
+                </a:cxnLst>
+                <a:rect l="0" t="0" r="r" b="b"/>
+                <a:pathLst>
+                  <a:path w="472" h="612">
+                    <a:moveTo>
+                      <a:pt x="375" y="512"/>
+                    </a:moveTo>
+                    <a:cubicBezTo>
+                      <a:pt x="97" y="512"/>
+                      <a:pt x="97" y="512"/>
+                      <a:pt x="97" y="512"/>
+                    </a:cubicBezTo>
+                    <a:cubicBezTo>
+                      <a:pt x="89" y="512"/>
+                      <a:pt x="82" y="505"/>
+                      <a:pt x="82" y="497"/>
+                    </a:cubicBezTo>
+                    <a:cubicBezTo>
+                      <a:pt x="82" y="489"/>
+                      <a:pt x="89" y="483"/>
+                      <a:pt x="97" y="483"/>
+                    </a:cubicBezTo>
+                    <a:cubicBezTo>
+                      <a:pt x="375" y="483"/>
+                      <a:pt x="375" y="483"/>
+                      <a:pt x="375" y="483"/>
+                    </a:cubicBezTo>
+                    <a:cubicBezTo>
+                      <a:pt x="383" y="483"/>
+                      <a:pt x="390" y="489"/>
+                      <a:pt x="390" y="497"/>
+                    </a:cubicBezTo>
+                    <a:cubicBezTo>
+                      <a:pt x="390" y="505"/>
+                      <a:pt x="383" y="512"/>
+                      <a:pt x="375" y="512"/>
+                    </a:cubicBezTo>
+                    <a:close/>
+                    <a:moveTo>
+                      <a:pt x="375" y="435"/>
+                    </a:moveTo>
+                    <a:cubicBezTo>
+                      <a:pt x="97" y="435"/>
+                      <a:pt x="97" y="435"/>
+                      <a:pt x="97" y="435"/>
+                    </a:cubicBezTo>
+                    <a:cubicBezTo>
+                      <a:pt x="89" y="435"/>
+                      <a:pt x="82" y="429"/>
+                      <a:pt x="82" y="421"/>
+                    </a:cubicBezTo>
+                    <a:cubicBezTo>
+                      <a:pt x="82" y="413"/>
+                      <a:pt x="89" y="406"/>
+                      <a:pt x="97" y="406"/>
+                    </a:cubicBezTo>
+                    <a:cubicBezTo>
+                      <a:pt x="375" y="406"/>
+                      <a:pt x="375" y="406"/>
+                      <a:pt x="375" y="406"/>
+                    </a:cubicBezTo>
+                    <a:cubicBezTo>
+                      <a:pt x="383" y="406"/>
+                      <a:pt x="390" y="413"/>
+                      <a:pt x="390" y="421"/>
+                    </a:cubicBezTo>
+                    <a:cubicBezTo>
+                      <a:pt x="390" y="429"/>
+                      <a:pt x="383" y="435"/>
+                      <a:pt x="375" y="435"/>
+                    </a:cubicBezTo>
+                    <a:close/>
+                    <a:moveTo>
+                      <a:pt x="375" y="359"/>
+                    </a:moveTo>
+                    <a:cubicBezTo>
+                      <a:pt x="97" y="359"/>
+                      <a:pt x="97" y="359"/>
+                      <a:pt x="97" y="359"/>
+                    </a:cubicBezTo>
+                    <a:cubicBezTo>
+                      <a:pt x="89" y="359"/>
+                      <a:pt x="82" y="352"/>
+                      <a:pt x="82" y="344"/>
+                    </a:cubicBezTo>
+                    <a:cubicBezTo>
+                      <a:pt x="82" y="336"/>
+                      <a:pt x="89" y="330"/>
+                      <a:pt x="97" y="330"/>
+                    </a:cubicBezTo>
+                    <a:cubicBezTo>
+                      <a:pt x="375" y="330"/>
+                      <a:pt x="375" y="330"/>
+                      <a:pt x="375" y="330"/>
+                    </a:cubicBezTo>
+                    <a:cubicBezTo>
+                      <a:pt x="383" y="330"/>
+                      <a:pt x="390" y="336"/>
+                      <a:pt x="390" y="344"/>
+                    </a:cubicBezTo>
+                    <a:cubicBezTo>
+                      <a:pt x="390" y="352"/>
+                      <a:pt x="383" y="359"/>
+                      <a:pt x="375" y="359"/>
+                    </a:cubicBezTo>
+                    <a:close/>
+                    <a:moveTo>
+                      <a:pt x="375" y="282"/>
+                    </a:moveTo>
+                    <a:cubicBezTo>
+                      <a:pt x="97" y="282"/>
+                      <a:pt x="97" y="282"/>
+                      <a:pt x="97" y="282"/>
+                    </a:cubicBezTo>
+                    <a:cubicBezTo>
+                      <a:pt x="89" y="282"/>
+                      <a:pt x="82" y="276"/>
+                      <a:pt x="82" y="268"/>
+                    </a:cubicBezTo>
+                    <a:cubicBezTo>
+                      <a:pt x="82" y="260"/>
+                      <a:pt x="89" y="254"/>
+                      <a:pt x="97" y="254"/>
+                    </a:cubicBezTo>
+                    <a:cubicBezTo>
+                      <a:pt x="375" y="254"/>
+                      <a:pt x="375" y="254"/>
+                      <a:pt x="375" y="254"/>
+                    </a:cubicBezTo>
+                    <a:cubicBezTo>
+                      <a:pt x="383" y="254"/>
+                      <a:pt x="390" y="260"/>
+                      <a:pt x="390" y="268"/>
+                    </a:cubicBezTo>
+                    <a:cubicBezTo>
+                      <a:pt x="390" y="276"/>
+                      <a:pt x="383" y="282"/>
+                      <a:pt x="375" y="282"/>
+                    </a:cubicBezTo>
+                    <a:close/>
+                    <a:moveTo>
+                      <a:pt x="246" y="206"/>
+                    </a:moveTo>
+                    <a:cubicBezTo>
+                      <a:pt x="97" y="206"/>
+                      <a:pt x="97" y="206"/>
+                      <a:pt x="97" y="206"/>
+                    </a:cubicBezTo>
+                    <a:cubicBezTo>
+                      <a:pt x="89" y="206"/>
+                      <a:pt x="82" y="199"/>
+                      <a:pt x="82" y="191"/>
+                    </a:cubicBezTo>
+                    <a:cubicBezTo>
+                      <a:pt x="82" y="183"/>
+                      <a:pt x="89" y="177"/>
+                      <a:pt x="97" y="177"/>
+                    </a:cubicBezTo>
+                    <a:cubicBezTo>
+                      <a:pt x="246" y="177"/>
+                      <a:pt x="246" y="177"/>
+                      <a:pt x="246" y="177"/>
+                    </a:cubicBezTo>
+                    <a:cubicBezTo>
+                      <a:pt x="254" y="177"/>
+                      <a:pt x="260" y="183"/>
+                      <a:pt x="260" y="191"/>
+                    </a:cubicBezTo>
+                    <a:cubicBezTo>
+                      <a:pt x="260" y="199"/>
+                      <a:pt x="254" y="206"/>
+                      <a:pt x="246" y="206"/>
+                    </a:cubicBezTo>
+                    <a:close/>
+                    <a:moveTo>
+                      <a:pt x="246" y="129"/>
+                    </a:moveTo>
+                    <a:cubicBezTo>
+                      <a:pt x="97" y="129"/>
+                      <a:pt x="97" y="129"/>
+                      <a:pt x="97" y="129"/>
+                    </a:cubicBezTo>
+                    <a:cubicBezTo>
+                      <a:pt x="89" y="129"/>
+                      <a:pt x="82" y="123"/>
+                      <a:pt x="82" y="115"/>
+                    </a:cubicBezTo>
+                    <a:cubicBezTo>
+                      <a:pt x="82" y="107"/>
+                      <a:pt x="89" y="101"/>
+                      <a:pt x="97" y="101"/>
+                    </a:cubicBezTo>
+                    <a:cubicBezTo>
+                      <a:pt x="246" y="101"/>
+                      <a:pt x="246" y="101"/>
+                      <a:pt x="246" y="101"/>
+                    </a:cubicBezTo>
+                    <a:cubicBezTo>
+                      <a:pt x="254" y="101"/>
+                      <a:pt x="260" y="107"/>
+                      <a:pt x="260" y="115"/>
+                    </a:cubicBezTo>
+                    <a:cubicBezTo>
+                      <a:pt x="260" y="123"/>
+                      <a:pt x="254" y="129"/>
+                      <a:pt x="246" y="129"/>
+                    </a:cubicBezTo>
+                    <a:close/>
+                    <a:moveTo>
+                      <a:pt x="27" y="612"/>
+                    </a:moveTo>
+                    <a:cubicBezTo>
+                      <a:pt x="12" y="612"/>
+                      <a:pt x="0" y="600"/>
+                      <a:pt x="0" y="585"/>
+                    </a:cubicBezTo>
+                    <a:cubicBezTo>
+                      <a:pt x="0" y="27"/>
+                      <a:pt x="0" y="27"/>
+                      <a:pt x="0" y="27"/>
+                    </a:cubicBezTo>
+                    <a:cubicBezTo>
+                      <a:pt x="0" y="12"/>
+                      <a:pt x="12" y="0"/>
+                      <a:pt x="27" y="0"/>
+                    </a:cubicBezTo>
+                    <a:cubicBezTo>
+                      <a:pt x="293" y="0"/>
+                      <a:pt x="293" y="0"/>
+                      <a:pt x="293" y="0"/>
+                    </a:cubicBezTo>
+                    <a:cubicBezTo>
+                      <a:pt x="310" y="0"/>
+                      <a:pt x="334" y="10"/>
+                      <a:pt x="346" y="22"/>
+                    </a:cubicBezTo>
+                    <a:cubicBezTo>
+                      <a:pt x="450" y="126"/>
+                      <a:pt x="450" y="126"/>
+                      <a:pt x="450" y="126"/>
+                    </a:cubicBezTo>
+                    <a:cubicBezTo>
+                      <a:pt x="462" y="138"/>
+                      <a:pt x="472" y="162"/>
+                      <a:pt x="472" y="179"/>
+                    </a:cubicBezTo>
+                    <a:cubicBezTo>
+                      <a:pt x="472" y="585"/>
+                      <a:pt x="472" y="585"/>
+                      <a:pt x="472" y="585"/>
+                    </a:cubicBezTo>
+                    <a:cubicBezTo>
+                      <a:pt x="472" y="600"/>
+                      <a:pt x="460" y="612"/>
+                      <a:pt x="445" y="612"/>
+                    </a:cubicBezTo>
+                    <a:lnTo>
+                      <a:pt x="27" y="612"/>
+                    </a:lnTo>
+                    <a:close/>
+                    <a:moveTo>
+                      <a:pt x="75" y="35"/>
+                    </a:moveTo>
+                    <a:cubicBezTo>
+                      <a:pt x="53" y="35"/>
+                      <a:pt x="35" y="53"/>
+                      <a:pt x="35" y="75"/>
+                    </a:cubicBezTo>
+                    <a:cubicBezTo>
+                      <a:pt x="35" y="537"/>
+                      <a:pt x="35" y="537"/>
+                      <a:pt x="35" y="537"/>
+                    </a:cubicBezTo>
+                    <a:cubicBezTo>
+                      <a:pt x="35" y="560"/>
+                      <a:pt x="53" y="578"/>
+                      <a:pt x="75" y="578"/>
+                    </a:cubicBezTo>
+                    <a:cubicBezTo>
+                      <a:pt x="397" y="578"/>
+                      <a:pt x="397" y="578"/>
+                      <a:pt x="397" y="578"/>
+                    </a:cubicBezTo>
+                    <a:cubicBezTo>
+                      <a:pt x="419" y="578"/>
+                      <a:pt x="437" y="560"/>
+                      <a:pt x="437" y="537"/>
+                    </a:cubicBezTo>
+                    <a:cubicBezTo>
+                      <a:pt x="437" y="201"/>
+                      <a:pt x="437" y="201"/>
+                      <a:pt x="437" y="201"/>
+                    </a:cubicBezTo>
+                    <a:cubicBezTo>
+                      <a:pt x="437" y="179"/>
+                      <a:pt x="419" y="161"/>
+                      <a:pt x="397" y="161"/>
+                    </a:cubicBezTo>
+                    <a:cubicBezTo>
+                      <a:pt x="332" y="161"/>
+                      <a:pt x="332" y="161"/>
+                      <a:pt x="332" y="161"/>
+                    </a:cubicBezTo>
+                    <a:cubicBezTo>
+                      <a:pt x="317" y="161"/>
+                      <a:pt x="304" y="149"/>
+                      <a:pt x="304" y="134"/>
+                    </a:cubicBezTo>
+                    <a:cubicBezTo>
+                      <a:pt x="304" y="75"/>
+                      <a:pt x="304" y="75"/>
+                      <a:pt x="304" y="75"/>
+                    </a:cubicBezTo>
+                    <a:cubicBezTo>
+                      <a:pt x="304" y="53"/>
+                      <a:pt x="286" y="35"/>
+                      <a:pt x="264" y="35"/>
+                    </a:cubicBezTo>
+                    <a:lnTo>
+                      <a:pt x="75" y="35"/>
+                    </a:lnTo>
+                    <a:close/>
+                  </a:path>
+                </a:pathLst>
+              </a:custGeom>
+              <a:solidFill>
+                <a:srgbClr val="000000"/>
+              </a:solidFill>
+              <a:ln>
+                <a:noFill/>
+              </a:ln>
+              <a:extLst>
+                <a:ext uri="{91240B29-F687-4F45-9708-019B960494DF}">
+                  <a14:hiddenLine xmlns:a14="http://schemas.microsoft.com/office/drawing/2010/main" w="9525">
+                    <a:solidFill>
+                      <a:srgbClr val="000000"/>
+                    </a:solidFill>
+                    <a:round/>
+                  </a14:hiddenLine>
+                </a:ext>
+              </a:extLst>
+            </p:spPr>
+            <p:txBody>
+              <a:bodyPr vert="horz" wrap="square" lIns="91440" tIns="45720" rIns="91440" bIns="45720" numCol="1" anchor="t" anchorCtr="0" compatLnSpc="1"/>
+              <a:lstStyle/>
+              <a:p>
+                <a:endParaRPr lang="en-US"/>
+              </a:p>
+            </p:txBody>
+          </p:sp>
+          <p:sp>
+            <p:nvSpPr>
+              <p:cNvPr id="7" name="Freeform 86">
+                <a:extLst>
+                  <a:ext uri="{FF2B5EF4-FFF2-40B4-BE49-F238E27FC236}">
+                    <a16:creationId xmlns:a16="http://schemas.microsoft.com/office/drawing/2014/main" id="{A48BBFCE-C9BD-954E-8191-614CE084937B}"/>
+                  </a:ext>
+                </a:extLst>
+              </p:cNvPr>
+              <p:cNvSpPr>
+                <a:spLocks noEditPoints="1"/>
+              </p:cNvSpPr>
+              <p:nvPr/>
+            </p:nvSpPr>
+            <p:spPr bwMode="auto">
+              <a:xfrm>
+                <a:off x="3343118" y="4026102"/>
+                <a:ext cx="662857" cy="926447"/>
+              </a:xfrm>
+              <a:custGeom>
+                <a:avLst/>
+                <a:gdLst>
+                  <a:gd name="T0" fmla="*/ 97 w 472"/>
+                  <a:gd name="T1" fmla="*/ 512 h 612"/>
+                  <a:gd name="T2" fmla="*/ 97 w 472"/>
+                  <a:gd name="T3" fmla="*/ 483 h 612"/>
+                  <a:gd name="T4" fmla="*/ 390 w 472"/>
+                  <a:gd name="T5" fmla="*/ 497 h 612"/>
+                  <a:gd name="T6" fmla="*/ 375 w 472"/>
+                  <a:gd name="T7" fmla="*/ 435 h 612"/>
+                  <a:gd name="T8" fmla="*/ 82 w 472"/>
+                  <a:gd name="T9" fmla="*/ 421 h 612"/>
+                  <a:gd name="T10" fmla="*/ 375 w 472"/>
+                  <a:gd name="T11" fmla="*/ 406 h 612"/>
+                  <a:gd name="T12" fmla="*/ 375 w 472"/>
+                  <a:gd name="T13" fmla="*/ 435 h 612"/>
+                  <a:gd name="T14" fmla="*/ 97 w 472"/>
+                  <a:gd name="T15" fmla="*/ 359 h 612"/>
+                  <a:gd name="T16" fmla="*/ 97 w 472"/>
+                  <a:gd name="T17" fmla="*/ 330 h 612"/>
+                  <a:gd name="T18" fmla="*/ 390 w 472"/>
+                  <a:gd name="T19" fmla="*/ 344 h 612"/>
+                  <a:gd name="T20" fmla="*/ 375 w 472"/>
+                  <a:gd name="T21" fmla="*/ 282 h 612"/>
+                  <a:gd name="T22" fmla="*/ 82 w 472"/>
+                  <a:gd name="T23" fmla="*/ 268 h 612"/>
+                  <a:gd name="T24" fmla="*/ 375 w 472"/>
+                  <a:gd name="T25" fmla="*/ 254 h 612"/>
+                  <a:gd name="T26" fmla="*/ 375 w 472"/>
+                  <a:gd name="T27" fmla="*/ 282 h 612"/>
+                  <a:gd name="T28" fmla="*/ 97 w 472"/>
+                  <a:gd name="T29" fmla="*/ 206 h 612"/>
+                  <a:gd name="T30" fmla="*/ 97 w 472"/>
+                  <a:gd name="T31" fmla="*/ 177 h 612"/>
+                  <a:gd name="T32" fmla="*/ 260 w 472"/>
+                  <a:gd name="T33" fmla="*/ 191 h 612"/>
+                  <a:gd name="T34" fmla="*/ 246 w 472"/>
+                  <a:gd name="T35" fmla="*/ 129 h 612"/>
+                  <a:gd name="T36" fmla="*/ 82 w 472"/>
+                  <a:gd name="T37" fmla="*/ 115 h 612"/>
+                  <a:gd name="T38" fmla="*/ 246 w 472"/>
+                  <a:gd name="T39" fmla="*/ 101 h 612"/>
+                  <a:gd name="T40" fmla="*/ 246 w 472"/>
+                  <a:gd name="T41" fmla="*/ 129 h 612"/>
+                  <a:gd name="T42" fmla="*/ 0 w 472"/>
+                  <a:gd name="T43" fmla="*/ 585 h 612"/>
+                  <a:gd name="T44" fmla="*/ 27 w 472"/>
+                  <a:gd name="T45" fmla="*/ 0 h 612"/>
+                  <a:gd name="T46" fmla="*/ 346 w 472"/>
+                  <a:gd name="T47" fmla="*/ 22 h 612"/>
+                  <a:gd name="T48" fmla="*/ 472 w 472"/>
+                  <a:gd name="T49" fmla="*/ 179 h 612"/>
+                  <a:gd name="T50" fmla="*/ 445 w 472"/>
+                  <a:gd name="T51" fmla="*/ 612 h 612"/>
+                  <a:gd name="T52" fmla="*/ 75 w 472"/>
+                  <a:gd name="T53" fmla="*/ 35 h 612"/>
+                  <a:gd name="T54" fmla="*/ 35 w 472"/>
+                  <a:gd name="T55" fmla="*/ 537 h 612"/>
+                  <a:gd name="T56" fmla="*/ 397 w 472"/>
+                  <a:gd name="T57" fmla="*/ 578 h 612"/>
+                  <a:gd name="T58" fmla="*/ 437 w 472"/>
+                  <a:gd name="T59" fmla="*/ 201 h 612"/>
+                  <a:gd name="T60" fmla="*/ 332 w 472"/>
+                  <a:gd name="T61" fmla="*/ 161 h 612"/>
+                  <a:gd name="T62" fmla="*/ 304 w 472"/>
+                  <a:gd name="T63" fmla="*/ 75 h 612"/>
+                  <a:gd name="T64" fmla="*/ 75 w 472"/>
+                  <a:gd name="T65" fmla="*/ 35 h 612"/>
+                </a:gdLst>
+                <a:ahLst/>
+                <a:cxnLst>
+                  <a:cxn ang="0">
+                    <a:pos x="T0" y="T1"/>
+                  </a:cxn>
+                  <a:cxn ang="0">
+                    <a:pos x="T2" y="T3"/>
+                  </a:cxn>
+                  <a:cxn ang="0">
+                    <a:pos x="T4" y="T5"/>
+                  </a:cxn>
+                  <a:cxn ang="0">
+                    <a:pos x="T6" y="T7"/>
+                  </a:cxn>
+                  <a:cxn ang="0">
+                    <a:pos x="T8" y="T9"/>
+                  </a:cxn>
+                  <a:cxn ang="0">
+                    <a:pos x="T10" y="T11"/>
+                  </a:cxn>
+                  <a:cxn ang="0">
+                    <a:pos x="T12" y="T13"/>
+                  </a:cxn>
+                  <a:cxn ang="0">
+                    <a:pos x="T14" y="T15"/>
+                  </a:cxn>
+                  <a:cxn ang="0">
+                    <a:pos x="T16" y="T17"/>
+                  </a:cxn>
+                  <a:cxn ang="0">
+                    <a:pos x="T18" y="T19"/>
+                  </a:cxn>
+                  <a:cxn ang="0">
+                    <a:pos x="T20" y="T21"/>
+                  </a:cxn>
+                  <a:cxn ang="0">
+                    <a:pos x="T22" y="T23"/>
+                  </a:cxn>
+                  <a:cxn ang="0">
+                    <a:pos x="T24" y="T25"/>
+                  </a:cxn>
+                  <a:cxn ang="0">
+                    <a:pos x="T26" y="T27"/>
+                  </a:cxn>
+                  <a:cxn ang="0">
+                    <a:pos x="T28" y="T29"/>
+                  </a:cxn>
+                  <a:cxn ang="0">
+                    <a:pos x="T30" y="T31"/>
+                  </a:cxn>
+                  <a:cxn ang="0">
+                    <a:pos x="T32" y="T33"/>
+                  </a:cxn>
+                  <a:cxn ang="0">
+                    <a:pos x="T34" y="T35"/>
+                  </a:cxn>
+                  <a:cxn ang="0">
+                    <a:pos x="T36" y="T37"/>
+                  </a:cxn>
+                  <a:cxn ang="0">
+                    <a:pos x="T38" y="T39"/>
+                  </a:cxn>
+                  <a:cxn ang="0">
+                    <a:pos x="T40" y="T41"/>
+                  </a:cxn>
+                  <a:cxn ang="0">
+                    <a:pos x="T42" y="T43"/>
+                  </a:cxn>
+                  <a:cxn ang="0">
+                    <a:pos x="T44" y="T45"/>
+                  </a:cxn>
+                  <a:cxn ang="0">
+                    <a:pos x="T46" y="T47"/>
+                  </a:cxn>
+                  <a:cxn ang="0">
+                    <a:pos x="T48" y="T49"/>
+                  </a:cxn>
+                  <a:cxn ang="0">
+                    <a:pos x="T50" y="T51"/>
+                  </a:cxn>
+                  <a:cxn ang="0">
+                    <a:pos x="T52" y="T53"/>
+                  </a:cxn>
+                  <a:cxn ang="0">
+                    <a:pos x="T54" y="T55"/>
+                  </a:cxn>
+                  <a:cxn ang="0">
+                    <a:pos x="T56" y="T57"/>
+                  </a:cxn>
+                  <a:cxn ang="0">
+                    <a:pos x="T58" y="T59"/>
+                  </a:cxn>
+                  <a:cxn ang="0">
+                    <a:pos x="T60" y="T61"/>
+                  </a:cxn>
+                  <a:cxn ang="0">
+                    <a:pos x="T62" y="T63"/>
+                  </a:cxn>
+                  <a:cxn ang="0">
+                    <a:pos x="T64" y="T65"/>
+                  </a:cxn>
+                </a:cxnLst>
+                <a:rect l="0" t="0" r="r" b="b"/>
+                <a:pathLst>
+                  <a:path w="472" h="612">
+                    <a:moveTo>
+                      <a:pt x="375" y="512"/>
+                    </a:moveTo>
+                    <a:cubicBezTo>
+                      <a:pt x="97" y="512"/>
+                      <a:pt x="97" y="512"/>
+                      <a:pt x="97" y="512"/>
+                    </a:cubicBezTo>
+                    <a:cubicBezTo>
+                      <a:pt x="89" y="512"/>
+                      <a:pt x="82" y="505"/>
+                      <a:pt x="82" y="497"/>
+                    </a:cubicBezTo>
+                    <a:cubicBezTo>
+                      <a:pt x="82" y="489"/>
+                      <a:pt x="89" y="483"/>
+                      <a:pt x="97" y="483"/>
+                    </a:cubicBezTo>
+                    <a:cubicBezTo>
+                      <a:pt x="375" y="483"/>
+                      <a:pt x="375" y="483"/>
+                      <a:pt x="375" y="483"/>
+                    </a:cubicBezTo>
+                    <a:cubicBezTo>
+                      <a:pt x="383" y="483"/>
+                      <a:pt x="390" y="489"/>
+                      <a:pt x="390" y="497"/>
+                    </a:cubicBezTo>
+                    <a:cubicBezTo>
+                      <a:pt x="390" y="505"/>
+                      <a:pt x="383" y="512"/>
+                      <a:pt x="375" y="512"/>
+                    </a:cubicBezTo>
+                    <a:close/>
+                    <a:moveTo>
+                      <a:pt x="375" y="435"/>
+                    </a:moveTo>
+                    <a:cubicBezTo>
+                      <a:pt x="97" y="435"/>
+                      <a:pt x="97" y="435"/>
+                      <a:pt x="97" y="435"/>
+                    </a:cubicBezTo>
+                    <a:cubicBezTo>
+                      <a:pt x="89" y="435"/>
+                      <a:pt x="82" y="429"/>
+                      <a:pt x="82" y="421"/>
+                    </a:cubicBezTo>
+                    <a:cubicBezTo>
+                      <a:pt x="82" y="413"/>
+                      <a:pt x="89" y="406"/>
+                      <a:pt x="97" y="406"/>
+                    </a:cubicBezTo>
+                    <a:cubicBezTo>
+                      <a:pt x="375" y="406"/>
+                      <a:pt x="375" y="406"/>
+                      <a:pt x="375" y="406"/>
+                    </a:cubicBezTo>
+                    <a:cubicBezTo>
+                      <a:pt x="383" y="406"/>
+                      <a:pt x="390" y="413"/>
+                      <a:pt x="390" y="421"/>
+                    </a:cubicBezTo>
+                    <a:cubicBezTo>
+                      <a:pt x="390" y="429"/>
+                      <a:pt x="383" y="435"/>
+                      <a:pt x="375" y="435"/>
+                    </a:cubicBezTo>
+                    <a:close/>
+                    <a:moveTo>
+                      <a:pt x="375" y="359"/>
+                    </a:moveTo>
+                    <a:cubicBezTo>
+                      <a:pt x="97" y="359"/>
+                      <a:pt x="97" y="359"/>
+                      <a:pt x="97" y="359"/>
+                    </a:cubicBezTo>
+                    <a:cubicBezTo>
+                      <a:pt x="89" y="359"/>
+                      <a:pt x="82" y="352"/>
+                      <a:pt x="82" y="344"/>
+                    </a:cubicBezTo>
+                    <a:cubicBezTo>
+                      <a:pt x="82" y="336"/>
+                      <a:pt x="89" y="330"/>
+                      <a:pt x="97" y="330"/>
+                    </a:cubicBezTo>
+                    <a:cubicBezTo>
+                      <a:pt x="375" y="330"/>
+                      <a:pt x="375" y="330"/>
+                      <a:pt x="375" y="330"/>
+                    </a:cubicBezTo>
+                    <a:cubicBezTo>
+                      <a:pt x="383" y="330"/>
+                      <a:pt x="390" y="336"/>
+                      <a:pt x="390" y="344"/>
+                    </a:cubicBezTo>
+                    <a:cubicBezTo>
+                      <a:pt x="390" y="352"/>
+                      <a:pt x="383" y="359"/>
+                      <a:pt x="375" y="359"/>
+                    </a:cubicBezTo>
+                    <a:close/>
+                    <a:moveTo>
+                      <a:pt x="375" y="282"/>
+                    </a:moveTo>
+                    <a:cubicBezTo>
+                      <a:pt x="97" y="282"/>
+                      <a:pt x="97" y="282"/>
+                      <a:pt x="97" y="282"/>
+                    </a:cubicBezTo>
+                    <a:cubicBezTo>
+                      <a:pt x="89" y="282"/>
+                      <a:pt x="82" y="276"/>
+                      <a:pt x="82" y="268"/>
+                    </a:cubicBezTo>
+                    <a:cubicBezTo>
+                      <a:pt x="82" y="260"/>
+                      <a:pt x="89" y="254"/>
+                      <a:pt x="97" y="254"/>
+                    </a:cubicBezTo>
+                    <a:cubicBezTo>
+                      <a:pt x="375" y="254"/>
+                      <a:pt x="375" y="254"/>
+                      <a:pt x="375" y="254"/>
+                    </a:cubicBezTo>
+                    <a:cubicBezTo>
+                      <a:pt x="383" y="254"/>
+                      <a:pt x="390" y="260"/>
+                      <a:pt x="390" y="268"/>
+                    </a:cubicBezTo>
+                    <a:cubicBezTo>
+                      <a:pt x="390" y="276"/>
+                      <a:pt x="383" y="282"/>
+                      <a:pt x="375" y="282"/>
+                    </a:cubicBezTo>
+                    <a:close/>
+                    <a:moveTo>
+                      <a:pt x="246" y="206"/>
+                    </a:moveTo>
+                    <a:cubicBezTo>
+                      <a:pt x="97" y="206"/>
+                      <a:pt x="97" y="206"/>
+                      <a:pt x="97" y="206"/>
+                    </a:cubicBezTo>
+                    <a:cubicBezTo>
+                      <a:pt x="89" y="206"/>
+                      <a:pt x="82" y="199"/>
+                      <a:pt x="82" y="191"/>
+                    </a:cubicBezTo>
+                    <a:cubicBezTo>
+                      <a:pt x="82" y="183"/>
+                      <a:pt x="89" y="177"/>
+                      <a:pt x="97" y="177"/>
+                    </a:cubicBezTo>
+                    <a:cubicBezTo>
+                      <a:pt x="246" y="177"/>
+                      <a:pt x="246" y="177"/>
+                      <a:pt x="246" y="177"/>
+                    </a:cubicBezTo>
+                    <a:cubicBezTo>
+                      <a:pt x="254" y="177"/>
+                      <a:pt x="260" y="183"/>
+                      <a:pt x="260" y="191"/>
+                    </a:cubicBezTo>
+                    <a:cubicBezTo>
+                      <a:pt x="260" y="199"/>
+                      <a:pt x="254" y="206"/>
+                      <a:pt x="246" y="206"/>
+                    </a:cubicBezTo>
+                    <a:close/>
+                    <a:moveTo>
+                      <a:pt x="246" y="129"/>
+                    </a:moveTo>
+                    <a:cubicBezTo>
+                      <a:pt x="97" y="129"/>
+                      <a:pt x="97" y="129"/>
+                      <a:pt x="97" y="129"/>
+                    </a:cubicBezTo>
+                    <a:cubicBezTo>
+                      <a:pt x="89" y="129"/>
+                      <a:pt x="82" y="123"/>
+                      <a:pt x="82" y="115"/>
+                    </a:cubicBezTo>
+                    <a:cubicBezTo>
+                      <a:pt x="82" y="107"/>
+                      <a:pt x="89" y="101"/>
+                      <a:pt x="97" y="101"/>
+                    </a:cubicBezTo>
+                    <a:cubicBezTo>
+                      <a:pt x="246" y="101"/>
+                      <a:pt x="246" y="101"/>
+                      <a:pt x="246" y="101"/>
+                    </a:cubicBezTo>
+                    <a:cubicBezTo>
+                      <a:pt x="254" y="101"/>
+                      <a:pt x="260" y="107"/>
+                      <a:pt x="260" y="115"/>
+                    </a:cubicBezTo>
+                    <a:cubicBezTo>
+                      <a:pt x="260" y="123"/>
+                      <a:pt x="254" y="129"/>
+                      <a:pt x="246" y="129"/>
+                    </a:cubicBezTo>
+                    <a:close/>
+                    <a:moveTo>
+                      <a:pt x="27" y="612"/>
+                    </a:moveTo>
+                    <a:cubicBezTo>
+                      <a:pt x="12" y="612"/>
+                      <a:pt x="0" y="600"/>
+                      <a:pt x="0" y="585"/>
+                    </a:cubicBezTo>
+                    <a:cubicBezTo>
+                      <a:pt x="0" y="27"/>
+                      <a:pt x="0" y="27"/>
+                      <a:pt x="0" y="27"/>
+                    </a:cubicBezTo>
+                    <a:cubicBezTo>
+                      <a:pt x="0" y="12"/>
+                      <a:pt x="12" y="0"/>
+                      <a:pt x="27" y="0"/>
+                    </a:cubicBezTo>
+                    <a:cubicBezTo>
+                      <a:pt x="293" y="0"/>
+                      <a:pt x="293" y="0"/>
+                      <a:pt x="293" y="0"/>
+                    </a:cubicBezTo>
+                    <a:cubicBezTo>
+                      <a:pt x="310" y="0"/>
+                      <a:pt x="334" y="10"/>
+                      <a:pt x="346" y="22"/>
+                    </a:cubicBezTo>
+                    <a:cubicBezTo>
+                      <a:pt x="450" y="126"/>
+                      <a:pt x="450" y="126"/>
+                      <a:pt x="450" y="126"/>
+                    </a:cubicBezTo>
+                    <a:cubicBezTo>
+                      <a:pt x="462" y="138"/>
+                      <a:pt x="472" y="162"/>
+                      <a:pt x="472" y="179"/>
+                    </a:cubicBezTo>
+                    <a:cubicBezTo>
+                      <a:pt x="472" y="585"/>
+                      <a:pt x="472" y="585"/>
+                      <a:pt x="472" y="585"/>
+                    </a:cubicBezTo>
+                    <a:cubicBezTo>
+                      <a:pt x="472" y="600"/>
+                      <a:pt x="460" y="612"/>
+                      <a:pt x="445" y="612"/>
+                    </a:cubicBezTo>
+                    <a:lnTo>
+                      <a:pt x="27" y="612"/>
+                    </a:lnTo>
+                    <a:close/>
+                    <a:moveTo>
+                      <a:pt x="75" y="35"/>
+                    </a:moveTo>
+                    <a:cubicBezTo>
+                      <a:pt x="53" y="35"/>
+                      <a:pt x="35" y="53"/>
+                      <a:pt x="35" y="75"/>
+                    </a:cubicBezTo>
+                    <a:cubicBezTo>
+                      <a:pt x="35" y="537"/>
+                      <a:pt x="35" y="537"/>
+                      <a:pt x="35" y="537"/>
+                    </a:cubicBezTo>
+                    <a:cubicBezTo>
+                      <a:pt x="35" y="560"/>
+                      <a:pt x="53" y="578"/>
+                      <a:pt x="75" y="578"/>
+                    </a:cubicBezTo>
+                    <a:cubicBezTo>
+                      <a:pt x="397" y="578"/>
+                      <a:pt x="397" y="578"/>
+                      <a:pt x="397" y="578"/>
+                    </a:cubicBezTo>
+                    <a:cubicBezTo>
+                      <a:pt x="419" y="578"/>
+                      <a:pt x="437" y="560"/>
+                      <a:pt x="437" y="537"/>
+                    </a:cubicBezTo>
+                    <a:cubicBezTo>
+                      <a:pt x="437" y="201"/>
+                      <a:pt x="437" y="201"/>
+                      <a:pt x="437" y="201"/>
+                    </a:cubicBezTo>
+                    <a:cubicBezTo>
+                      <a:pt x="437" y="179"/>
+                      <a:pt x="419" y="161"/>
+                      <a:pt x="397" y="161"/>
+                    </a:cubicBezTo>
+                    <a:cubicBezTo>
+                      <a:pt x="332" y="161"/>
+                      <a:pt x="332" y="161"/>
+                      <a:pt x="332" y="161"/>
+                    </a:cubicBezTo>
+                    <a:cubicBezTo>
+                      <a:pt x="317" y="161"/>
+                      <a:pt x="304" y="149"/>
+                      <a:pt x="304" y="134"/>
+                    </a:cubicBezTo>
+                    <a:cubicBezTo>
+                      <a:pt x="304" y="75"/>
+                      <a:pt x="304" y="75"/>
+                      <a:pt x="304" y="75"/>
+                    </a:cubicBezTo>
+                    <a:cubicBezTo>
+                      <a:pt x="304" y="53"/>
+                      <a:pt x="286" y="35"/>
+                      <a:pt x="264" y="35"/>
+                    </a:cubicBezTo>
+                    <a:lnTo>
+                      <a:pt x="75" y="35"/>
+                    </a:lnTo>
+                    <a:close/>
+                  </a:path>
+                </a:pathLst>
+              </a:custGeom>
+              <a:solidFill>
+                <a:srgbClr val="000000"/>
+              </a:solidFill>
+              <a:ln>
+                <a:noFill/>
+              </a:ln>
+              <a:extLst>
+                <a:ext uri="{91240B29-F687-4F45-9708-019B960494DF}">
+                  <a14:hiddenLine xmlns:a14="http://schemas.microsoft.com/office/drawing/2010/main" w="9525">
+                    <a:solidFill>
+                      <a:srgbClr val="000000"/>
+                    </a:solidFill>
+                    <a:round/>
+                  </a14:hiddenLine>
+                </a:ext>
+              </a:extLst>
+            </p:spPr>
+            <p:txBody>
+              <a:bodyPr vert="horz" wrap="square" lIns="91440" tIns="45720" rIns="91440" bIns="45720" numCol="1" anchor="t" anchorCtr="0" compatLnSpc="1"/>
+              <a:lstStyle/>
+              <a:p>
+                <a:endParaRPr lang="en-US"/>
+              </a:p>
+            </p:txBody>
+          </p:sp>
+          <p:sp>
+            <p:nvSpPr>
+              <p:cNvPr id="8" name="Freeform 86">
+                <a:extLst>
+                  <a:ext uri="{FF2B5EF4-FFF2-40B4-BE49-F238E27FC236}">
+                    <a16:creationId xmlns:a16="http://schemas.microsoft.com/office/drawing/2014/main" id="{3D562DC0-CBC2-BF44-AE9C-B6CF0C5141B1}"/>
+                  </a:ext>
+                </a:extLst>
+              </p:cNvPr>
+              <p:cNvSpPr>
+                <a:spLocks noEditPoints="1"/>
+              </p:cNvSpPr>
+              <p:nvPr/>
+            </p:nvSpPr>
+            <p:spPr bwMode="auto">
+              <a:xfrm>
+                <a:off x="4697256" y="4026102"/>
+                <a:ext cx="662857" cy="926447"/>
+              </a:xfrm>
+              <a:custGeom>
+                <a:avLst/>
+                <a:gdLst>
+                  <a:gd name="T0" fmla="*/ 97 w 472"/>
+                  <a:gd name="T1" fmla="*/ 512 h 612"/>
+                  <a:gd name="T2" fmla="*/ 97 w 472"/>
+                  <a:gd name="T3" fmla="*/ 483 h 612"/>
+                  <a:gd name="T4" fmla="*/ 390 w 472"/>
+                  <a:gd name="T5" fmla="*/ 497 h 612"/>
+                  <a:gd name="T6" fmla="*/ 375 w 472"/>
+                  <a:gd name="T7" fmla="*/ 435 h 612"/>
+                  <a:gd name="T8" fmla="*/ 82 w 472"/>
+                  <a:gd name="T9" fmla="*/ 421 h 612"/>
+                  <a:gd name="T10" fmla="*/ 375 w 472"/>
+                  <a:gd name="T11" fmla="*/ 406 h 612"/>
+                  <a:gd name="T12" fmla="*/ 375 w 472"/>
+                  <a:gd name="T13" fmla="*/ 435 h 612"/>
+                  <a:gd name="T14" fmla="*/ 97 w 472"/>
+                  <a:gd name="T15" fmla="*/ 359 h 612"/>
+                  <a:gd name="T16" fmla="*/ 97 w 472"/>
+                  <a:gd name="T17" fmla="*/ 330 h 612"/>
+                  <a:gd name="T18" fmla="*/ 390 w 472"/>
+                  <a:gd name="T19" fmla="*/ 344 h 612"/>
+                  <a:gd name="T20" fmla="*/ 375 w 472"/>
+                  <a:gd name="T21" fmla="*/ 282 h 612"/>
+                  <a:gd name="T22" fmla="*/ 82 w 472"/>
+                  <a:gd name="T23" fmla="*/ 268 h 612"/>
+                  <a:gd name="T24" fmla="*/ 375 w 472"/>
+                  <a:gd name="T25" fmla="*/ 254 h 612"/>
+                  <a:gd name="T26" fmla="*/ 375 w 472"/>
+                  <a:gd name="T27" fmla="*/ 282 h 612"/>
+                  <a:gd name="T28" fmla="*/ 97 w 472"/>
+                  <a:gd name="T29" fmla="*/ 206 h 612"/>
+                  <a:gd name="T30" fmla="*/ 97 w 472"/>
+                  <a:gd name="T31" fmla="*/ 177 h 612"/>
+                  <a:gd name="T32" fmla="*/ 260 w 472"/>
+                  <a:gd name="T33" fmla="*/ 191 h 612"/>
+                  <a:gd name="T34" fmla="*/ 246 w 472"/>
+                  <a:gd name="T35" fmla="*/ 129 h 612"/>
+                  <a:gd name="T36" fmla="*/ 82 w 472"/>
+                  <a:gd name="T37" fmla="*/ 115 h 612"/>
+                  <a:gd name="T38" fmla="*/ 246 w 472"/>
+                  <a:gd name="T39" fmla="*/ 101 h 612"/>
+                  <a:gd name="T40" fmla="*/ 246 w 472"/>
+                  <a:gd name="T41" fmla="*/ 129 h 612"/>
+                  <a:gd name="T42" fmla="*/ 0 w 472"/>
+                  <a:gd name="T43" fmla="*/ 585 h 612"/>
+                  <a:gd name="T44" fmla="*/ 27 w 472"/>
+                  <a:gd name="T45" fmla="*/ 0 h 612"/>
+                  <a:gd name="T46" fmla="*/ 346 w 472"/>
+                  <a:gd name="T47" fmla="*/ 22 h 612"/>
+                  <a:gd name="T48" fmla="*/ 472 w 472"/>
+                  <a:gd name="T49" fmla="*/ 179 h 612"/>
+                  <a:gd name="T50" fmla="*/ 445 w 472"/>
+                  <a:gd name="T51" fmla="*/ 612 h 612"/>
+                  <a:gd name="T52" fmla="*/ 75 w 472"/>
+                  <a:gd name="T53" fmla="*/ 35 h 612"/>
+                  <a:gd name="T54" fmla="*/ 35 w 472"/>
+                  <a:gd name="T55" fmla="*/ 537 h 612"/>
+                  <a:gd name="T56" fmla="*/ 397 w 472"/>
+                  <a:gd name="T57" fmla="*/ 578 h 612"/>
+                  <a:gd name="T58" fmla="*/ 437 w 472"/>
+                  <a:gd name="T59" fmla="*/ 201 h 612"/>
+                  <a:gd name="T60" fmla="*/ 332 w 472"/>
+                  <a:gd name="T61" fmla="*/ 161 h 612"/>
+                  <a:gd name="T62" fmla="*/ 304 w 472"/>
+                  <a:gd name="T63" fmla="*/ 75 h 612"/>
+                  <a:gd name="T64" fmla="*/ 75 w 472"/>
+                  <a:gd name="T65" fmla="*/ 35 h 612"/>
+                </a:gdLst>
+                <a:ahLst/>
+                <a:cxnLst>
+                  <a:cxn ang="0">
+                    <a:pos x="T0" y="T1"/>
+                  </a:cxn>
+                  <a:cxn ang="0">
+                    <a:pos x="T2" y="T3"/>
+                  </a:cxn>
+                  <a:cxn ang="0">
+                    <a:pos x="T4" y="T5"/>
+                  </a:cxn>
+                  <a:cxn ang="0">
+                    <a:pos x="T6" y="T7"/>
+                  </a:cxn>
+                  <a:cxn ang="0">
+                    <a:pos x="T8" y="T9"/>
+                  </a:cxn>
+                  <a:cxn ang="0">
+                    <a:pos x="T10" y="T11"/>
+                  </a:cxn>
+                  <a:cxn ang="0">
+                    <a:pos x="T12" y="T13"/>
+                  </a:cxn>
+                  <a:cxn ang="0">
+                    <a:pos x="T14" y="T15"/>
+                  </a:cxn>
+                  <a:cxn ang="0">
+                    <a:pos x="T16" y="T17"/>
+                  </a:cxn>
+                  <a:cxn ang="0">
+                    <a:pos x="T18" y="T19"/>
+                  </a:cxn>
+                  <a:cxn ang="0">
+                    <a:pos x="T20" y="T21"/>
+                  </a:cxn>
+                  <a:cxn ang="0">
+                    <a:pos x="T22" y="T23"/>
+                  </a:cxn>
+                  <a:cxn ang="0">
+                    <a:pos x="T24" y="T25"/>
+                  </a:cxn>
+                  <a:cxn ang="0">
+                    <a:pos x="T26" y="T27"/>
+                  </a:cxn>
+                  <a:cxn ang="0">
+                    <a:pos x="T28" y="T29"/>
+                  </a:cxn>
+                  <a:cxn ang="0">
+                    <a:pos x="T30" y="T31"/>
+                  </a:cxn>
+                  <a:cxn ang="0">
+                    <a:pos x="T32" y="T33"/>
+                  </a:cxn>
+                  <a:cxn ang="0">
+                    <a:pos x="T34" y="T35"/>
+                  </a:cxn>
+                  <a:cxn ang="0">
+                    <a:pos x="T36" y="T37"/>
+                  </a:cxn>
+                  <a:cxn ang="0">
+                    <a:pos x="T38" y="T39"/>
+                  </a:cxn>
+                  <a:cxn ang="0">
+                    <a:pos x="T40" y="T41"/>
+                  </a:cxn>
+                  <a:cxn ang="0">
+                    <a:pos x="T42" y="T43"/>
+                  </a:cxn>
+                  <a:cxn ang="0">
+                    <a:pos x="T44" y="T45"/>
+                  </a:cxn>
+                  <a:cxn ang="0">
+                    <a:pos x="T46" y="T47"/>
+                  </a:cxn>
+                  <a:cxn ang="0">
+                    <a:pos x="T48" y="T49"/>
+                  </a:cxn>
+                  <a:cxn ang="0">
+                    <a:pos x="T50" y="T51"/>
+                  </a:cxn>
+                  <a:cxn ang="0">
+                    <a:pos x="T52" y="T53"/>
+                  </a:cxn>
+                  <a:cxn ang="0">
+                    <a:pos x="T54" y="T55"/>
+                  </a:cxn>
+                  <a:cxn ang="0">
+                    <a:pos x="T56" y="T57"/>
+                  </a:cxn>
+                  <a:cxn ang="0">
+                    <a:pos x="T58" y="T59"/>
+                  </a:cxn>
+                  <a:cxn ang="0">
+                    <a:pos x="T60" y="T61"/>
+                  </a:cxn>
+                  <a:cxn ang="0">
+                    <a:pos x="T62" y="T63"/>
+                  </a:cxn>
+                  <a:cxn ang="0">
+                    <a:pos x="T64" y="T65"/>
+                  </a:cxn>
+                </a:cxnLst>
+                <a:rect l="0" t="0" r="r" b="b"/>
+                <a:pathLst>
+                  <a:path w="472" h="612">
+                    <a:moveTo>
+                      <a:pt x="375" y="512"/>
+                    </a:moveTo>
+                    <a:cubicBezTo>
+                      <a:pt x="97" y="512"/>
+                      <a:pt x="97" y="512"/>
+                      <a:pt x="97" y="512"/>
+                    </a:cubicBezTo>
+                    <a:cubicBezTo>
+                      <a:pt x="89" y="512"/>
+                      <a:pt x="82" y="505"/>
+                      <a:pt x="82" y="497"/>
+                    </a:cubicBezTo>
+                    <a:cubicBezTo>
+                      <a:pt x="82" y="489"/>
+                      <a:pt x="89" y="483"/>
+                      <a:pt x="97" y="483"/>
+                    </a:cubicBezTo>
+                    <a:cubicBezTo>
+                      <a:pt x="375" y="483"/>
+                      <a:pt x="375" y="483"/>
+                      <a:pt x="375" y="483"/>
+                    </a:cubicBezTo>
+                    <a:cubicBezTo>
+                      <a:pt x="383" y="483"/>
+                      <a:pt x="390" y="489"/>
+                      <a:pt x="390" y="497"/>
+                    </a:cubicBezTo>
+                    <a:cubicBezTo>
+                      <a:pt x="390" y="505"/>
+                      <a:pt x="383" y="512"/>
+                      <a:pt x="375" y="512"/>
+                    </a:cubicBezTo>
+                    <a:close/>
+                    <a:moveTo>
+                      <a:pt x="375" y="435"/>
+                    </a:moveTo>
+                    <a:cubicBezTo>
+                      <a:pt x="97" y="435"/>
+                      <a:pt x="97" y="435"/>
+                      <a:pt x="97" y="435"/>
+                    </a:cubicBezTo>
+                    <a:cubicBezTo>
+                      <a:pt x="89" y="435"/>
+                      <a:pt x="82" y="429"/>
+                      <a:pt x="82" y="421"/>
+                    </a:cubicBezTo>
+                    <a:cubicBezTo>
+                      <a:pt x="82" y="413"/>
+                      <a:pt x="89" y="406"/>
+                      <a:pt x="97" y="406"/>
+                    </a:cubicBezTo>
+                    <a:cubicBezTo>
+                      <a:pt x="375" y="406"/>
+                      <a:pt x="375" y="406"/>
+                      <a:pt x="375" y="406"/>
+                    </a:cubicBezTo>
+                    <a:cubicBezTo>
+                      <a:pt x="383" y="406"/>
+                      <a:pt x="390" y="413"/>
+                      <a:pt x="390" y="421"/>
+                    </a:cubicBezTo>
+                    <a:cubicBezTo>
+                      <a:pt x="390" y="429"/>
+                      <a:pt x="383" y="435"/>
+                      <a:pt x="375" y="435"/>
+                    </a:cubicBezTo>
+                    <a:close/>
+                    <a:moveTo>
+                      <a:pt x="375" y="359"/>
+                    </a:moveTo>
+                    <a:cubicBezTo>
+                      <a:pt x="97" y="359"/>
+                      <a:pt x="97" y="359"/>
+                      <a:pt x="97" y="359"/>
+                    </a:cubicBezTo>
+                    <a:cubicBezTo>
+                      <a:pt x="89" y="359"/>
+                      <a:pt x="82" y="352"/>
+                      <a:pt x="82" y="344"/>
+                    </a:cubicBezTo>
+                    <a:cubicBezTo>
+                      <a:pt x="82" y="336"/>
+                      <a:pt x="89" y="330"/>
+                      <a:pt x="97" y="330"/>
+                    </a:cubicBezTo>
+                    <a:cubicBezTo>
+                      <a:pt x="375" y="330"/>
+                      <a:pt x="375" y="330"/>
+                      <a:pt x="375" y="330"/>
+                    </a:cubicBezTo>
+                    <a:cubicBezTo>
+                      <a:pt x="383" y="330"/>
+                      <a:pt x="390" y="336"/>
+                      <a:pt x="390" y="344"/>
+                    </a:cubicBezTo>
+                    <a:cubicBezTo>
+                      <a:pt x="390" y="352"/>
+                      <a:pt x="383" y="359"/>
+                      <a:pt x="375" y="359"/>
+                    </a:cubicBezTo>
+                    <a:close/>
+                    <a:moveTo>
+                      <a:pt x="375" y="282"/>
+                    </a:moveTo>
+                    <a:cubicBezTo>
+                      <a:pt x="97" y="282"/>
+                      <a:pt x="97" y="282"/>
+                      <a:pt x="97" y="282"/>
+                    </a:cubicBezTo>
+                    <a:cubicBezTo>
+                      <a:pt x="89" y="282"/>
+                      <a:pt x="82" y="276"/>
+                      <a:pt x="82" y="268"/>
+                    </a:cubicBezTo>
+                    <a:cubicBezTo>
+                      <a:pt x="82" y="260"/>
+                      <a:pt x="89" y="254"/>
+                      <a:pt x="97" y="254"/>
+                    </a:cubicBezTo>
+                    <a:cubicBezTo>
+                      <a:pt x="375" y="254"/>
+                      <a:pt x="375" y="254"/>
+                      <a:pt x="375" y="254"/>
+                    </a:cubicBezTo>
+                    <a:cubicBezTo>
+                      <a:pt x="383" y="254"/>
+                      <a:pt x="390" y="260"/>
+                      <a:pt x="390" y="268"/>
+                    </a:cubicBezTo>
+                    <a:cubicBezTo>
+                      <a:pt x="390" y="276"/>
+                      <a:pt x="383" y="282"/>
+                      <a:pt x="375" y="282"/>
+                    </a:cubicBezTo>
+                    <a:close/>
+                    <a:moveTo>
+                      <a:pt x="246" y="206"/>
+                    </a:moveTo>
+                    <a:cubicBezTo>
+                      <a:pt x="97" y="206"/>
+                      <a:pt x="97" y="206"/>
+                      <a:pt x="97" y="206"/>
+                    </a:cubicBezTo>
+                    <a:cubicBezTo>
+                      <a:pt x="89" y="206"/>
+                      <a:pt x="82" y="199"/>
+                      <a:pt x="82" y="191"/>
+                    </a:cubicBezTo>
+                    <a:cubicBezTo>
+                      <a:pt x="82" y="183"/>
+                      <a:pt x="89" y="177"/>
+                      <a:pt x="97" y="177"/>
+                    </a:cubicBezTo>
+                    <a:cubicBezTo>
+                      <a:pt x="246" y="177"/>
+                      <a:pt x="246" y="177"/>
+                      <a:pt x="246" y="177"/>
+                    </a:cubicBezTo>
+                    <a:cubicBezTo>
+                      <a:pt x="254" y="177"/>
+                      <a:pt x="260" y="183"/>
+                      <a:pt x="260" y="191"/>
+                    </a:cubicBezTo>
+                    <a:cubicBezTo>
+                      <a:pt x="260" y="199"/>
+                      <a:pt x="254" y="206"/>
+                      <a:pt x="246" y="206"/>
+                    </a:cubicBezTo>
+                    <a:close/>
+                    <a:moveTo>
+                      <a:pt x="246" y="129"/>
+                    </a:moveTo>
+                    <a:cubicBezTo>
+                      <a:pt x="97" y="129"/>
+                      <a:pt x="97" y="129"/>
+                      <a:pt x="97" y="129"/>
+                    </a:cubicBezTo>
+                    <a:cubicBezTo>
+                      <a:pt x="89" y="129"/>
+                      <a:pt x="82" y="123"/>
+                      <a:pt x="82" y="115"/>
+                    </a:cubicBezTo>
+                    <a:cubicBezTo>
+                      <a:pt x="82" y="107"/>
+                      <a:pt x="89" y="101"/>
+                      <a:pt x="97" y="101"/>
+                    </a:cubicBezTo>
+                    <a:cubicBezTo>
+                      <a:pt x="246" y="101"/>
+                      <a:pt x="246" y="101"/>
+                      <a:pt x="246" y="101"/>
+                    </a:cubicBezTo>
+                    <a:cubicBezTo>
+                      <a:pt x="254" y="101"/>
+                      <a:pt x="260" y="107"/>
+                      <a:pt x="260" y="115"/>
+                    </a:cubicBezTo>
+                    <a:cubicBezTo>
+                      <a:pt x="260" y="123"/>
+                      <a:pt x="254" y="129"/>
+                      <a:pt x="246" y="129"/>
+                    </a:cubicBezTo>
+                    <a:close/>
+                    <a:moveTo>
+                      <a:pt x="27" y="612"/>
+                    </a:moveTo>
+                    <a:cubicBezTo>
+                      <a:pt x="12" y="612"/>
+                      <a:pt x="0" y="600"/>
+                      <a:pt x="0" y="585"/>
+                    </a:cubicBezTo>
+                    <a:cubicBezTo>
+                      <a:pt x="0" y="27"/>
+                      <a:pt x="0" y="27"/>
+                      <a:pt x="0" y="27"/>
+                    </a:cubicBezTo>
+                    <a:cubicBezTo>
+                      <a:pt x="0" y="12"/>
+                      <a:pt x="12" y="0"/>
+                      <a:pt x="27" y="0"/>
+                    </a:cubicBezTo>
+                    <a:cubicBezTo>
+                      <a:pt x="293" y="0"/>
+                      <a:pt x="293" y="0"/>
+                      <a:pt x="293" y="0"/>
+                    </a:cubicBezTo>
+                    <a:cubicBezTo>
+                      <a:pt x="310" y="0"/>
+                      <a:pt x="334" y="10"/>
+                      <a:pt x="346" y="22"/>
+                    </a:cubicBezTo>
+                    <a:cubicBezTo>
+                      <a:pt x="450" y="126"/>
+                      <a:pt x="450" y="126"/>
+                      <a:pt x="450" y="126"/>
+                    </a:cubicBezTo>
+                    <a:cubicBezTo>
+                      <a:pt x="462" y="138"/>
+                      <a:pt x="472" y="162"/>
+                      <a:pt x="472" y="179"/>
+                    </a:cubicBezTo>
+                    <a:cubicBezTo>
+                      <a:pt x="472" y="585"/>
+                      <a:pt x="472" y="585"/>
+                      <a:pt x="472" y="585"/>
+                    </a:cubicBezTo>
+                    <a:cubicBezTo>
+                      <a:pt x="472" y="600"/>
+                      <a:pt x="460" y="612"/>
+                      <a:pt x="445" y="612"/>
+                    </a:cubicBezTo>
+                    <a:lnTo>
+                      <a:pt x="27" y="612"/>
+                    </a:lnTo>
+                    <a:close/>
+                    <a:moveTo>
+                      <a:pt x="75" y="35"/>
+                    </a:moveTo>
+                    <a:cubicBezTo>
+                      <a:pt x="53" y="35"/>
+                      <a:pt x="35" y="53"/>
+                      <a:pt x="35" y="75"/>
+                    </a:cubicBezTo>
+                    <a:cubicBezTo>
+                      <a:pt x="35" y="537"/>
+                      <a:pt x="35" y="537"/>
+                      <a:pt x="35" y="537"/>
+                    </a:cubicBezTo>
+                    <a:cubicBezTo>
+                      <a:pt x="35" y="560"/>
+                      <a:pt x="53" y="578"/>
+                      <a:pt x="75" y="578"/>
+                    </a:cubicBezTo>
+                    <a:cubicBezTo>
+                      <a:pt x="397" y="578"/>
+                      <a:pt x="397" y="578"/>
+                      <a:pt x="397" y="578"/>
+                    </a:cubicBezTo>
+                    <a:cubicBezTo>
+                      <a:pt x="419" y="578"/>
+                      <a:pt x="437" y="560"/>
+                      <a:pt x="437" y="537"/>
+                    </a:cubicBezTo>
+                    <a:cubicBezTo>
+                      <a:pt x="437" y="201"/>
+                      <a:pt x="437" y="201"/>
+                      <a:pt x="437" y="201"/>
+                    </a:cubicBezTo>
+                    <a:cubicBezTo>
+                      <a:pt x="437" y="179"/>
+                      <a:pt x="419" y="161"/>
+                      <a:pt x="397" y="161"/>
+                    </a:cubicBezTo>
+                    <a:cubicBezTo>
+                      <a:pt x="332" y="161"/>
+                      <a:pt x="332" y="161"/>
+                      <a:pt x="332" y="161"/>
+                    </a:cubicBezTo>
+                    <a:cubicBezTo>
+                      <a:pt x="317" y="161"/>
+                      <a:pt x="304" y="149"/>
+                      <a:pt x="304" y="134"/>
+                    </a:cubicBezTo>
+                    <a:cubicBezTo>
+                      <a:pt x="304" y="75"/>
+                      <a:pt x="304" y="75"/>
+                      <a:pt x="304" y="75"/>
+                    </a:cubicBezTo>
+                    <a:cubicBezTo>
+                      <a:pt x="304" y="53"/>
+                      <a:pt x="286" y="35"/>
+                      <a:pt x="264" y="35"/>
+                    </a:cubicBezTo>
+                    <a:lnTo>
+                      <a:pt x="75" y="35"/>
+                    </a:lnTo>
+                    <a:close/>
+                  </a:path>
+                </a:pathLst>
+              </a:custGeom>
+              <a:solidFill>
+                <a:srgbClr val="000000"/>
+              </a:solidFill>
+              <a:ln>
+                <a:noFill/>
+              </a:ln>
+              <a:extLst>
+                <a:ext uri="{91240B29-F687-4F45-9708-019B960494DF}">
+                  <a14:hiddenLine xmlns:a14="http://schemas.microsoft.com/office/drawing/2010/main" w="9525">
+                    <a:solidFill>
+                      <a:srgbClr val="000000"/>
+                    </a:solidFill>
+                    <a:round/>
+                  </a14:hiddenLine>
+                </a:ext>
+              </a:extLst>
+            </p:spPr>
+            <p:txBody>
+              <a:bodyPr vert="horz" wrap="square" lIns="91440" tIns="45720" rIns="91440" bIns="45720" numCol="1" anchor="t" anchorCtr="0" compatLnSpc="1"/>
+              <a:lstStyle/>
+              <a:p>
+                <a:endParaRPr lang="en-US"/>
+              </a:p>
+            </p:txBody>
+          </p:sp>
+          <p:sp>
+            <p:nvSpPr>
+              <p:cNvPr id="9" name="TextBox 8">
+                <a:extLst>
+                  <a:ext uri="{FF2B5EF4-FFF2-40B4-BE49-F238E27FC236}">
+                    <a16:creationId xmlns:a16="http://schemas.microsoft.com/office/drawing/2014/main" id="{CE17AD06-A64A-D646-AFEE-C6362DD5F738}"/>
                   </a:ext>
                 </a:extLst>
               </p:cNvPr>
@@ -7416,8 +6547,43 @@
             </p:nvSpPr>
             <p:spPr>
               <a:xfrm>
-                <a:off x="4381330" y="6722304"/>
-                <a:ext cx="1044132" cy="553999"/>
+                <a:off x="1702411" y="5212301"/>
+                <a:ext cx="1121326" cy="416051"/>
+              </a:xfrm>
+              <a:prstGeom prst="rect">
+                <a:avLst/>
+              </a:prstGeom>
+              <a:noFill/>
+            </p:spPr>
+            <p:txBody>
+              <a:bodyPr wrap="square" rtlCol="0">
+                <a:spAutoFit/>
+              </a:bodyPr>
+              <a:lstStyle/>
+              <a:p>
+                <a:r>
+                  <a:rPr lang="en-US" sz="1200" dirty="0"/>
+                  <a:t>Cab_Data.csv </a:t>
+                </a:r>
+              </a:p>
+            </p:txBody>
+          </p:sp>
+          <p:sp>
+            <p:nvSpPr>
+              <p:cNvPr id="10" name="TextBox 9">
+                <a:extLst>
+                  <a:ext uri="{FF2B5EF4-FFF2-40B4-BE49-F238E27FC236}">
+                    <a16:creationId xmlns:a16="http://schemas.microsoft.com/office/drawing/2014/main" id="{4A0D3DAE-96EE-934F-9AF0-0620F641D805}"/>
+                  </a:ext>
+                </a:extLst>
+              </p:cNvPr>
+              <p:cNvSpPr txBox="1"/>
+              <p:nvPr/>
+            </p:nvSpPr>
+            <p:spPr>
+              <a:xfrm>
+                <a:off x="3097359" y="5212301"/>
+                <a:ext cx="1264000" cy="276999"/>
               </a:xfrm>
               <a:prstGeom prst="rect">
                 <a:avLst/>
@@ -7432,21 +6598,252 @@
               <a:p>
                 <a:r>
                   <a:rPr lang="en-US" sz="1200" dirty="0"/>
-                  <a:t>Final cab data</a:t>
+                  <a:t>Customer_ID.csv </a:t>
                 </a:r>
               </a:p>
+            </p:txBody>
+          </p:sp>
+          <p:sp>
+            <p:nvSpPr>
+              <p:cNvPr id="11" name="TextBox 10">
+                <a:extLst>
+                  <a:ext uri="{FF2B5EF4-FFF2-40B4-BE49-F238E27FC236}">
+                    <a16:creationId xmlns:a16="http://schemas.microsoft.com/office/drawing/2014/main" id="{47AD77A3-4610-5746-A31C-60C6F70B1C43}"/>
+                  </a:ext>
+                </a:extLst>
+              </p:cNvPr>
+              <p:cNvSpPr txBox="1"/>
+              <p:nvPr/>
+            </p:nvSpPr>
+            <p:spPr>
+              <a:xfrm>
+                <a:off x="4525356" y="5212302"/>
+                <a:ext cx="1376339" cy="276999"/>
+              </a:xfrm>
+              <a:prstGeom prst="rect">
+                <a:avLst/>
+              </a:prstGeom>
+              <a:noFill/>
+            </p:spPr>
+            <p:txBody>
+              <a:bodyPr wrap="none" rtlCol="0">
+                <a:spAutoFit/>
+              </a:bodyPr>
+              <a:lstStyle/>
               <a:p>
-                <a:endParaRPr lang="en-US" dirty="0"/>
+                <a:r>
+                  <a:rPr lang="en-US" sz="1200" dirty="0"/>
+                  <a:t>Transaction_ID.csv </a:t>
+                </a:r>
+              </a:p>
+            </p:txBody>
+          </p:sp>
+          <p:sp>
+            <p:nvSpPr>
+              <p:cNvPr id="12" name="TextBox 11">
+                <a:extLst>
+                  <a:ext uri="{FF2B5EF4-FFF2-40B4-BE49-F238E27FC236}">
+                    <a16:creationId xmlns:a16="http://schemas.microsoft.com/office/drawing/2014/main" id="{EB3521C2-5790-E344-BD1C-0D4FC1CF26FD}"/>
+                  </a:ext>
+                </a:extLst>
+              </p:cNvPr>
+              <p:cNvSpPr txBox="1"/>
+              <p:nvPr/>
+            </p:nvSpPr>
+            <p:spPr>
+              <a:xfrm>
+                <a:off x="6120505" y="5212301"/>
+                <a:ext cx="750481" cy="416051"/>
+              </a:xfrm>
+              <a:prstGeom prst="rect">
+                <a:avLst/>
+              </a:prstGeom>
+              <a:noFill/>
+            </p:spPr>
+            <p:txBody>
+              <a:bodyPr wrap="square" rtlCol="0">
+                <a:spAutoFit/>
+              </a:bodyPr>
+              <a:lstStyle/>
+              <a:p>
+                <a:r>
+                  <a:rPr lang="en-US" sz="1200" dirty="0"/>
+                  <a:t>City.csv</a:t>
+                </a:r>
               </a:p>
             </p:txBody>
           </p:sp>
         </p:grpSp>
+        <p:cxnSp>
+          <p:nvCxnSpPr>
+            <p:cNvPr id="15" name="Straight Arrow Connector 14">
+              <a:extLst>
+                <a:ext uri="{FF2B5EF4-FFF2-40B4-BE49-F238E27FC236}">
+                  <a16:creationId xmlns:a16="http://schemas.microsoft.com/office/drawing/2014/main" id="{4D6DE20A-0E01-EE4B-8044-8894936D49AA}"/>
+                </a:ext>
+              </a:extLst>
+            </p:cNvPr>
+            <p:cNvCxnSpPr>
+              <a:cxnSpLocks/>
+            </p:cNvCxnSpPr>
+            <p:nvPr/>
+          </p:nvCxnSpPr>
+          <p:spPr>
+            <a:xfrm>
+              <a:off x="2624242" y="4379438"/>
+              <a:ext cx="1826170" cy="1511381"/>
+            </a:xfrm>
+            <a:prstGeom prst="straightConnector1">
+              <a:avLst/>
+            </a:prstGeom>
+            <a:ln>
+              <a:tailEnd type="triangle"/>
+            </a:ln>
+          </p:spPr>
+          <p:style>
+            <a:lnRef idx="1">
+              <a:schemeClr val="accent1"/>
+            </a:lnRef>
+            <a:fillRef idx="0">
+              <a:schemeClr val="accent1"/>
+            </a:fillRef>
+            <a:effectRef idx="0">
+              <a:schemeClr val="accent1"/>
+            </a:effectRef>
+            <a:fontRef idx="minor">
+              <a:schemeClr val="tx1"/>
+            </a:fontRef>
+          </p:style>
+        </p:cxnSp>
+        <p:cxnSp>
+          <p:nvCxnSpPr>
+            <p:cNvPr id="16" name="Straight Arrow Connector 15">
+              <a:extLst>
+                <a:ext uri="{FF2B5EF4-FFF2-40B4-BE49-F238E27FC236}">
+                  <a16:creationId xmlns:a16="http://schemas.microsoft.com/office/drawing/2014/main" id="{A431A592-54E9-AD42-9CA5-EC9F54EC6F9A}"/>
+                </a:ext>
+              </a:extLst>
+            </p:cNvPr>
+            <p:cNvCxnSpPr>
+              <a:cxnSpLocks/>
+            </p:cNvCxnSpPr>
+            <p:nvPr/>
+          </p:nvCxnSpPr>
+          <p:spPr>
+            <a:xfrm flipH="1">
+              <a:off x="5258570" y="4455645"/>
+              <a:ext cx="782456" cy="1256454"/>
+            </a:xfrm>
+            <a:prstGeom prst="straightConnector1">
+              <a:avLst/>
+            </a:prstGeom>
+            <a:ln>
+              <a:tailEnd type="triangle"/>
+            </a:ln>
+          </p:spPr>
+          <p:style>
+            <a:lnRef idx="1">
+              <a:schemeClr val="accent1"/>
+            </a:lnRef>
+            <a:fillRef idx="0">
+              <a:schemeClr val="accent1"/>
+            </a:fillRef>
+            <a:effectRef idx="0">
+              <a:schemeClr val="accent1"/>
+            </a:effectRef>
+            <a:fontRef idx="minor">
+              <a:schemeClr val="tx1"/>
+            </a:fontRef>
+          </p:style>
+        </p:cxnSp>
+        <p:cxnSp>
+          <p:nvCxnSpPr>
+            <p:cNvPr id="20" name="Straight Arrow Connector 19">
+              <a:extLst>
+                <a:ext uri="{FF2B5EF4-FFF2-40B4-BE49-F238E27FC236}">
+                  <a16:creationId xmlns:a16="http://schemas.microsoft.com/office/drawing/2014/main" id="{5ECA411C-EB3C-BF4E-8B97-C5C9F4789282}"/>
+                </a:ext>
+              </a:extLst>
+            </p:cNvPr>
+            <p:cNvCxnSpPr>
+              <a:cxnSpLocks/>
+            </p:cNvCxnSpPr>
+            <p:nvPr/>
+          </p:nvCxnSpPr>
+          <p:spPr>
+            <a:xfrm>
+              <a:off x="3729359" y="4367355"/>
+              <a:ext cx="827805" cy="1334194"/>
+            </a:xfrm>
+            <a:prstGeom prst="straightConnector1">
+              <a:avLst/>
+            </a:prstGeom>
+            <a:ln>
+              <a:tailEnd type="triangle"/>
+            </a:ln>
+          </p:spPr>
+          <p:style>
+            <a:lnRef idx="1">
+              <a:schemeClr val="accent1"/>
+            </a:lnRef>
+            <a:fillRef idx="0">
+              <a:schemeClr val="accent1"/>
+            </a:fillRef>
+            <a:effectRef idx="0">
+              <a:schemeClr val="accent1"/>
+            </a:effectRef>
+            <a:fontRef idx="minor">
+              <a:schemeClr val="tx1"/>
+            </a:fontRef>
+          </p:style>
+        </p:cxnSp>
+        <p:cxnSp>
+          <p:nvCxnSpPr>
+            <p:cNvPr id="21" name="Straight Arrow Connector 20">
+              <a:extLst>
+                <a:ext uri="{FF2B5EF4-FFF2-40B4-BE49-F238E27FC236}">
+                  <a16:creationId xmlns:a16="http://schemas.microsoft.com/office/drawing/2014/main" id="{0B23A854-A3FF-3E4C-A3DC-825DBDF2081C}"/>
+                </a:ext>
+              </a:extLst>
+            </p:cNvPr>
+            <p:cNvCxnSpPr>
+              <a:cxnSpLocks/>
+            </p:cNvCxnSpPr>
+            <p:nvPr/>
+          </p:nvCxnSpPr>
+          <p:spPr>
+            <a:xfrm>
+              <a:off x="4861033" y="4457496"/>
+              <a:ext cx="0" cy="1167845"/>
+            </a:xfrm>
+            <a:prstGeom prst="straightConnector1">
+              <a:avLst/>
+            </a:prstGeom>
+            <a:ln>
+              <a:tailEnd type="triangle"/>
+            </a:ln>
+          </p:spPr>
+          <p:style>
+            <a:lnRef idx="1">
+              <a:schemeClr val="accent1"/>
+            </a:lnRef>
+            <a:fillRef idx="0">
+              <a:schemeClr val="accent1"/>
+            </a:fillRef>
+            <a:effectRef idx="0">
+              <a:schemeClr val="accent1"/>
+            </a:effectRef>
+            <a:fontRef idx="minor">
+              <a:schemeClr val="tx1"/>
+            </a:fontRef>
+          </p:style>
+        </p:cxnSp>
         <p:sp>
           <p:nvSpPr>
-            <p:cNvPr id="39" name="Freeform 86">
+            <p:cNvPr id="30" name="Freeform 86">
               <a:extLst>
                 <a:ext uri="{FF2B5EF4-FFF2-40B4-BE49-F238E27FC236}">
-                  <a16:creationId xmlns:a16="http://schemas.microsoft.com/office/drawing/2014/main" id="{1B25A797-CEF4-004B-A34A-0B12A2C9F170}"/>
+                  <a16:creationId xmlns:a16="http://schemas.microsoft.com/office/drawing/2014/main" id="{8424D5D8-D1A2-C448-A948-5F5D29EA093B}"/>
                 </a:ext>
               </a:extLst>
             </p:cNvPr>
@@ -7457,8 +6854,8 @@
           </p:nvSpPr>
           <p:spPr bwMode="auto">
             <a:xfrm>
-              <a:off x="11022371" y="1858363"/>
-              <a:ext cx="662857" cy="819372"/>
+              <a:off x="4570553" y="5755223"/>
+              <a:ext cx="662857" cy="926448"/>
             </a:xfrm>
             <a:custGeom>
               <a:avLst/>
@@ -7983,10 +7380,10 @@
         </p:sp>
         <p:sp>
           <p:nvSpPr>
-            <p:cNvPr id="40" name="TextBox 39">
+            <p:cNvPr id="31" name="TextBox 30">
               <a:extLst>
                 <a:ext uri="{FF2B5EF4-FFF2-40B4-BE49-F238E27FC236}">
-                  <a16:creationId xmlns:a16="http://schemas.microsoft.com/office/drawing/2014/main" id="{D91ACCB9-E39C-BD40-B428-6A71DF137BDF}"/>
+                  <a16:creationId xmlns:a16="http://schemas.microsoft.com/office/drawing/2014/main" id="{2194446E-F265-1F4C-A70C-A6364F7F2A13}"/>
                 </a:ext>
               </a:extLst>
             </p:cNvPr>
@@ -7995,8 +7392,8 @@
           </p:nvSpPr>
           <p:spPr>
             <a:xfrm>
-              <a:off x="10915652" y="2887014"/>
-              <a:ext cx="1028551" cy="276999"/>
+              <a:off x="4031756" y="6738223"/>
+              <a:ext cx="1740452" cy="416051"/>
             </a:xfrm>
             <a:prstGeom prst="rect">
               <a:avLst/>
@@ -8010,54 +7407,13 @@
             <a:lstStyle/>
             <a:p>
               <a:r>
-                <a:rPr lang="en-US" sz="1200" dirty="0"/>
-                <a:t>USholiday.csv</a:t>
+                <a:rPr lang="en-US" sz="1200" dirty="0" err="1"/>
+                <a:t>taxi_data_master_data</a:t>
               </a:r>
+              <a:endParaRPr lang="en-US" dirty="0"/>
             </a:p>
           </p:txBody>
         </p:sp>
-        <p:cxnSp>
-          <p:nvCxnSpPr>
-            <p:cNvPr id="47" name="Straight Arrow Connector 46">
-              <a:extLst>
-                <a:ext uri="{FF2B5EF4-FFF2-40B4-BE49-F238E27FC236}">
-                  <a16:creationId xmlns:a16="http://schemas.microsoft.com/office/drawing/2014/main" id="{EB5BEC63-E17B-CB43-89A7-6F8377D71E6A}"/>
-                </a:ext>
-              </a:extLst>
-            </p:cNvPr>
-            <p:cNvCxnSpPr>
-              <a:cxnSpLocks/>
-              <a:stCxn id="39" idx="21"/>
-            </p:cNvCxnSpPr>
-            <p:nvPr/>
-          </p:nvCxnSpPr>
-          <p:spPr>
-            <a:xfrm flipH="1">
-              <a:off x="9253669" y="2641586"/>
-              <a:ext cx="1768702" cy="1328012"/>
-            </a:xfrm>
-            <a:prstGeom prst="straightConnector1">
-              <a:avLst/>
-            </a:prstGeom>
-            <a:ln>
-              <a:tailEnd type="triangle"/>
-            </a:ln>
-          </p:spPr>
-          <p:style>
-            <a:lnRef idx="1">
-              <a:schemeClr val="accent1"/>
-            </a:lnRef>
-            <a:fillRef idx="0">
-              <a:schemeClr val="accent1"/>
-            </a:fillRef>
-            <a:effectRef idx="0">
-              <a:schemeClr val="accent1"/>
-            </a:effectRef>
-            <a:fontRef idx="minor">
-              <a:schemeClr val="tx1"/>
-            </a:fontRef>
-          </p:style>
-        </p:cxnSp>
       </p:grpSp>
       <p:sp>
         <p:nvSpPr>
